--- a/slides/lecture1.pptx
+++ b/slides/lecture1.pptx
@@ -5,10 +5,10 @@
     <p:sldMasterId id="2147483648" r:id="rId1"/>
   </p:sldMasterIdLst>
   <p:notesMasterIdLst>
-    <p:notesMasterId r:id="rId40"/>
+    <p:notesMasterId r:id="rId42"/>
   </p:notesMasterIdLst>
   <p:handoutMasterIdLst>
-    <p:handoutMasterId r:id="rId41"/>
+    <p:handoutMasterId r:id="rId43"/>
   </p:handoutMasterIdLst>
   <p:sldIdLst>
     <p:sldId id="444" r:id="rId2"/>
@@ -27,28 +27,30 @@
     <p:sldId id="459" r:id="rId15"/>
     <p:sldId id="493" r:id="rId16"/>
     <p:sldId id="492" r:id="rId17"/>
-    <p:sldId id="496" r:id="rId18"/>
-    <p:sldId id="387" r:id="rId19"/>
-    <p:sldId id="488" r:id="rId20"/>
-    <p:sldId id="473" r:id="rId21"/>
-    <p:sldId id="476" r:id="rId22"/>
-    <p:sldId id="478" r:id="rId23"/>
-    <p:sldId id="472" r:id="rId24"/>
-    <p:sldId id="497" r:id="rId25"/>
-    <p:sldId id="500" r:id="rId26"/>
-    <p:sldId id="498" r:id="rId27"/>
-    <p:sldId id="502" r:id="rId28"/>
-    <p:sldId id="499" r:id="rId29"/>
-    <p:sldId id="470" r:id="rId30"/>
-    <p:sldId id="477" r:id="rId31"/>
-    <p:sldId id="491" r:id="rId32"/>
-    <p:sldId id="474" r:id="rId33"/>
-    <p:sldId id="475" r:id="rId34"/>
-    <p:sldId id="471" r:id="rId35"/>
-    <p:sldId id="399" r:id="rId36"/>
-    <p:sldId id="504" r:id="rId37"/>
-    <p:sldId id="505" r:id="rId38"/>
-    <p:sldId id="506" r:id="rId39"/>
+    <p:sldId id="507" r:id="rId18"/>
+    <p:sldId id="508" r:id="rId19"/>
+    <p:sldId id="496" r:id="rId20"/>
+    <p:sldId id="387" r:id="rId21"/>
+    <p:sldId id="488" r:id="rId22"/>
+    <p:sldId id="473" r:id="rId23"/>
+    <p:sldId id="476" r:id="rId24"/>
+    <p:sldId id="478" r:id="rId25"/>
+    <p:sldId id="472" r:id="rId26"/>
+    <p:sldId id="497" r:id="rId27"/>
+    <p:sldId id="500" r:id="rId28"/>
+    <p:sldId id="498" r:id="rId29"/>
+    <p:sldId id="502" r:id="rId30"/>
+    <p:sldId id="499" r:id="rId31"/>
+    <p:sldId id="470" r:id="rId32"/>
+    <p:sldId id="477" r:id="rId33"/>
+    <p:sldId id="491" r:id="rId34"/>
+    <p:sldId id="474" r:id="rId35"/>
+    <p:sldId id="475" r:id="rId36"/>
+    <p:sldId id="471" r:id="rId37"/>
+    <p:sldId id="399" r:id="rId38"/>
+    <p:sldId id="504" r:id="rId39"/>
+    <p:sldId id="505" r:id="rId40"/>
+    <p:sldId id="506" r:id="rId41"/>
   </p:sldIdLst>
   <p:sldSz cx="9144000" cy="6858000" type="screen4x3"/>
   <p:notesSz cx="7010400" cy="9296400"/>
@@ -1330,7 +1332,7 @@
             <a:fld id="{1C3BE34A-8307-EB44-81DF-9E26DE56C26C}" type="datetime1">
               <a:rPr lang="en-US"/>
               <a:pPr/>
-              <a:t>5/11/16</a:t>
+              <a:t>4/3/17</a:t>
             </a:fld>
             <a:endParaRPr lang="en-US"/>
           </a:p>
@@ -1514,7 +1516,7 @@
             <a:fld id="{CE2ED387-FB02-114B-8286-D6AA7EA976DB}" type="datetime1">
               <a:rPr lang="en-US"/>
               <a:pPr/>
-              <a:t>5/11/16</a:t>
+              <a:t>4/3/17</a:t>
             </a:fld>
             <a:endParaRPr lang="en-US"/>
           </a:p>
@@ -1708,7 +1710,7 @@
             <a:fld id="{DE93CD88-B5AA-F54C-A7E4-E72B8637FB3C}" type="datetime1">
               <a:rPr lang="en-US"/>
               <a:pPr/>
-              <a:t>5/11/16</a:t>
+              <a:t>4/3/17</a:t>
             </a:fld>
             <a:endParaRPr lang="en-US"/>
           </a:p>
@@ -1892,7 +1894,7 @@
             <a:fld id="{8F8FE3BF-D2B3-CA46-A8D2-7FDE682D2922}" type="datetime1">
               <a:rPr lang="en-US"/>
               <a:pPr/>
-              <a:t>5/11/16</a:t>
+              <a:t>4/3/17</a:t>
             </a:fld>
             <a:endParaRPr lang="en-US"/>
           </a:p>
@@ -2098,7 +2100,7 @@
             <a:fld id="{7CCF6CFE-C421-4342-9B94-F176424AB863}" type="datetime1">
               <a:rPr lang="en-US"/>
               <a:pPr/>
-              <a:t>5/11/16</a:t>
+              <a:t>4/3/17</a:t>
             </a:fld>
             <a:endParaRPr lang="en-US"/>
           </a:p>
@@ -2400,7 +2402,7 @@
             <a:fld id="{4B719B56-4FFB-DC49-AECF-E02032A0F105}" type="datetime1">
               <a:rPr lang="en-US"/>
               <a:pPr/>
-              <a:t>5/11/16</a:t>
+              <a:t>4/3/17</a:t>
             </a:fld>
             <a:endParaRPr lang="en-US"/>
           </a:p>
@@ -2841,7 +2843,7 @@
             <a:fld id="{7E8FDF3E-CD6D-804F-9BCD-8CAA79266B61}" type="datetime1">
               <a:rPr lang="en-US"/>
               <a:pPr/>
-              <a:t>5/11/16</a:t>
+              <a:t>4/3/17</a:t>
             </a:fld>
             <a:endParaRPr lang="en-US"/>
           </a:p>
@@ -2973,7 +2975,7 @@
             <a:fld id="{EB7C710D-0EBF-EB4F-9410-03769C26FE32}" type="datetime1">
               <a:rPr lang="en-US"/>
               <a:pPr/>
-              <a:t>5/11/16</a:t>
+              <a:t>4/3/17</a:t>
             </a:fld>
             <a:endParaRPr lang="en-US"/>
           </a:p>
@@ -3082,7 +3084,7 @@
             <a:fld id="{3097F5BB-122A-174B-8C3F-A57AAB536B79}" type="datetime1">
               <a:rPr lang="en-US"/>
               <a:pPr/>
-              <a:t>5/11/16</a:t>
+              <a:t>4/3/17</a:t>
             </a:fld>
             <a:endParaRPr lang="en-US"/>
           </a:p>
@@ -3373,7 +3375,7 @@
             <a:fld id="{DB561877-E915-6048-88C5-27A861B544AE}" type="datetime1">
               <a:rPr lang="en-US"/>
               <a:pPr/>
-              <a:t>5/11/16</a:t>
+              <a:t>4/3/17</a:t>
             </a:fld>
             <a:endParaRPr lang="en-US"/>
           </a:p>
@@ -3640,7 +3642,7 @@
             <a:fld id="{BB0A8469-F593-2646-AFD3-3E1FD2B1F5BA}" type="datetime1">
               <a:rPr lang="en-US"/>
               <a:pPr/>
-              <a:t>5/11/16</a:t>
+              <a:t>4/3/17</a:t>
             </a:fld>
             <a:endParaRPr lang="en-US"/>
           </a:p>
@@ -3807,7 +3809,7 @@
             <a:fld id="{426B59B6-E89C-A342-B682-9CEE0A8EA440}" type="datetime1">
               <a:rPr lang="en-US"/>
               <a:pPr/>
-              <a:t>5/11/16</a:t>
+              <a:t>4/3/17</a:t>
             </a:fld>
             <a:endParaRPr lang="en-US"/>
           </a:p>
@@ -5142,6 +5144,13 @@
   <p:clrMapOvr>
     <a:masterClrMapping/>
   </p:clrMapOvr>
+  <p:timing>
+    <p:tnLst>
+      <p:par>
+        <p:cTn xmlns:p14="http://schemas.microsoft.com/office/powerpoint/2010/main" id="1" dur="indefinite" restart="never" nodeType="tmRoot"/>
+      </p:par>
+    </p:tnLst>
+  </p:timing>
 </p:sld>
 </file>
 
@@ -5380,6 +5389,13 @@
   <p:clrMapOvr>
     <a:masterClrMapping/>
   </p:clrMapOvr>
+  <p:timing>
+    <p:tnLst>
+      <p:par>
+        <p:cTn xmlns:p14="http://schemas.microsoft.com/office/powerpoint/2010/main" id="1" dur="indefinite" restart="never" nodeType="tmRoot"/>
+      </p:par>
+    </p:tnLst>
+  </p:timing>
 </p:sld>
 </file>
 
@@ -5495,6 +5511,13 @@
   <p:clrMapOvr>
     <a:masterClrMapping/>
   </p:clrMapOvr>
+  <p:timing>
+    <p:tnLst>
+      <p:par>
+        <p:cTn xmlns:p14="http://schemas.microsoft.com/office/powerpoint/2010/main" id="1" dur="indefinite" restart="never" nodeType="tmRoot"/>
+      </p:par>
+    </p:tnLst>
+  </p:timing>
 </p:sld>
 </file>
 
@@ -5531,6 +5554,302 @@
           <a:lstStyle/>
           <a:p>
             <a:r>
+              <a:rPr lang="en-US" sz="2800" dirty="0" smtClean="0"/>
+              <a:t>Membrane </a:t>
+            </a:r>
+            <a:r>
+              <a:rPr lang="en-US" sz="2800" dirty="0" err="1" smtClean="0"/>
+              <a:t>bistability</a:t>
+            </a:r>
+            <a:r>
+              <a:rPr lang="en-US" sz="2800" dirty="0" smtClean="0"/>
+              <a:t> from non-linearity of ion channel gating</a:t>
+            </a:r>
+            <a:endParaRPr lang="en-US" sz="2800" dirty="0"/>
+          </a:p>
+        </p:txBody>
+      </p:sp>
+      <p:sp>
+        <p:nvSpPr>
+          <p:cNvPr id="5" name="TextBox 4"/>
+          <p:cNvSpPr txBox="1"/>
+          <p:nvPr/>
+        </p:nvSpPr>
+        <p:spPr>
+          <a:xfrm>
+            <a:off x="6324600" y="6477000"/>
+            <a:ext cx="1157764" cy="307777"/>
+          </a:xfrm>
+          <a:prstGeom prst="rect">
+            <a:avLst/>
+          </a:prstGeom>
+          <a:noFill/>
+        </p:spPr>
+        <p:txBody>
+          <a:bodyPr wrap="none" rtlCol="0">
+            <a:spAutoFit/>
+          </a:bodyPr>
+          <a:lstStyle/>
+          <a:p>
+            <a:r>
+              <a:rPr lang="en-US" sz="1400" baseline="0" dirty="0" smtClean="0"/>
+              <a:t>Wilson, 2005</a:t>
+            </a:r>
+            <a:endParaRPr lang="en-US" sz="1400" baseline="0" dirty="0"/>
+          </a:p>
+        </p:txBody>
+      </p:sp>
+      <p:pic>
+        <p:nvPicPr>
+          <p:cNvPr id="4" name="Picture 3" descr="Screen Shot 2017-04-05 at 12.29.18 PM.png"/>
+          <p:cNvPicPr>
+            <a:picLocks noChangeAspect="1"/>
+          </p:cNvPicPr>
+          <p:nvPr/>
+        </p:nvPicPr>
+        <p:blipFill>
+          <a:blip r:embed="rId2">
+            <a:extLst>
+              <a:ext uri="{28A0092B-C50C-407E-A947-70E740481C1C}">
+                <a14:useLocalDpi xmlns:a14="http://schemas.microsoft.com/office/drawing/2010/main" val="0"/>
+              </a:ext>
+            </a:extLst>
+          </a:blip>
+          <a:stretch>
+            <a:fillRect/>
+          </a:stretch>
+        </p:blipFill>
+        <p:spPr>
+          <a:xfrm>
+            <a:off x="457200" y="1676400"/>
+            <a:ext cx="8382000" cy="3019826"/>
+          </a:xfrm>
+          <a:prstGeom prst="rect">
+            <a:avLst/>
+          </a:prstGeom>
+        </p:spPr>
+      </p:pic>
+    </p:spTree>
+    <p:extLst>
+      <p:ext uri="{BB962C8B-B14F-4D97-AF65-F5344CB8AC3E}">
+        <p14:creationId xmlns:p14="http://schemas.microsoft.com/office/powerpoint/2010/main" val="3093013780"/>
+      </p:ext>
+    </p:extLst>
+  </p:cSld>
+  <p:clrMapOvr>
+    <a:masterClrMapping/>
+  </p:clrMapOvr>
+  <p:timing>
+    <p:tnLst>
+      <p:par>
+        <p:cTn xmlns:p14="http://schemas.microsoft.com/office/powerpoint/2010/main" id="1" dur="indefinite" restart="never" nodeType="tmRoot"/>
+      </p:par>
+    </p:tnLst>
+  </p:timing>
+</p:sld>
+</file>
+
+<file path=ppt/slides/slide18.xml><?xml version="1.0" encoding="utf-8"?>
+<p:sld xmlns:a="http://schemas.openxmlformats.org/drawingml/2006/main" xmlns:r="http://schemas.openxmlformats.org/officeDocument/2006/relationships" xmlns:p="http://schemas.openxmlformats.org/presentationml/2006/main">
+  <p:cSld>
+    <p:spTree>
+      <p:nvGrpSpPr>
+        <p:cNvPr id="1" name=""/>
+        <p:cNvGrpSpPr/>
+        <p:nvPr/>
+      </p:nvGrpSpPr>
+      <p:grpSpPr>
+        <a:xfrm>
+          <a:off x="0" y="0"/>
+          <a:ext cx="0" cy="0"/>
+          <a:chOff x="0" y="0"/>
+          <a:chExt cx="0" cy="0"/>
+        </a:xfrm>
+      </p:grpSpPr>
+      <p:sp>
+        <p:nvSpPr>
+          <p:cNvPr id="2" name="Title 1"/>
+          <p:cNvSpPr>
+            <a:spLocks noGrp="1"/>
+          </p:cNvSpPr>
+          <p:nvPr>
+            <p:ph type="title"/>
+          </p:nvPr>
+        </p:nvSpPr>
+        <p:spPr/>
+        <p:txBody>
+          <a:bodyPr/>
+          <a:lstStyle/>
+          <a:p>
+            <a:r>
+              <a:rPr lang="en-US" sz="2800" dirty="0" smtClean="0"/>
+              <a:t>Membrane </a:t>
+            </a:r>
+            <a:r>
+              <a:rPr lang="en-US" sz="2800" dirty="0" err="1" smtClean="0"/>
+              <a:t>bistability</a:t>
+            </a:r>
+            <a:r>
+              <a:rPr lang="en-US" sz="2800" dirty="0" smtClean="0"/>
+              <a:t> from non-linearity of ion channel gating</a:t>
+            </a:r>
+            <a:endParaRPr lang="en-US" sz="2800" dirty="0"/>
+          </a:p>
+        </p:txBody>
+      </p:sp>
+      <p:sp>
+        <p:nvSpPr>
+          <p:cNvPr id="5" name="TextBox 4"/>
+          <p:cNvSpPr txBox="1"/>
+          <p:nvPr/>
+        </p:nvSpPr>
+        <p:spPr>
+          <a:xfrm>
+            <a:off x="6324600" y="6477000"/>
+            <a:ext cx="1157764" cy="307777"/>
+          </a:xfrm>
+          <a:prstGeom prst="rect">
+            <a:avLst/>
+          </a:prstGeom>
+          <a:noFill/>
+        </p:spPr>
+        <p:txBody>
+          <a:bodyPr wrap="none" rtlCol="0">
+            <a:spAutoFit/>
+          </a:bodyPr>
+          <a:lstStyle/>
+          <a:p>
+            <a:r>
+              <a:rPr lang="en-US" sz="1400" baseline="0" dirty="0" smtClean="0"/>
+              <a:t>Wilson, 2005</a:t>
+            </a:r>
+            <a:endParaRPr lang="en-US" sz="1400" baseline="0" dirty="0"/>
+          </a:p>
+        </p:txBody>
+      </p:sp>
+      <p:pic>
+        <p:nvPicPr>
+          <p:cNvPr id="6" name="Picture 2"/>
+          <p:cNvPicPr>
+            <a:picLocks noChangeAspect="1" noChangeArrowheads="1"/>
+          </p:cNvPicPr>
+          <p:nvPr/>
+        </p:nvPicPr>
+        <p:blipFill>
+          <a:blip r:embed="rId2">
+            <a:extLst>
+              <a:ext uri="{28A0092B-C50C-407E-A947-70E740481C1C}">
+                <a14:useLocalDpi xmlns:a14="http://schemas.microsoft.com/office/drawing/2010/main" val="0"/>
+              </a:ext>
+            </a:extLst>
+          </a:blip>
+          <a:srcRect/>
+          <a:stretch>
+            <a:fillRect/>
+          </a:stretch>
+        </p:blipFill>
+        <p:spPr bwMode="auto">
+          <a:xfrm>
+            <a:off x="2362200" y="1219200"/>
+            <a:ext cx="4397375" cy="4984750"/>
+          </a:xfrm>
+          <a:prstGeom prst="rect">
+            <a:avLst/>
+          </a:prstGeom>
+          <a:noFill/>
+          <a:ln>
+            <a:noFill/>
+          </a:ln>
+          <a:effectLst/>
+          <a:extLst>
+            <a:ext uri="{909E8E84-426E-40dd-AFC4-6F175D3DCCD1}">
+              <a14:hiddenFill xmlns:a14="http://schemas.microsoft.com/office/drawing/2010/main">
+                <a:blipFill dpi="0" rotWithShape="0">
+                  <a:blip/>
+                  <a:srcRect/>
+                  <a:stretch>
+                    <a:fillRect/>
+                  </a:stretch>
+                </a:blipFill>
+              </a14:hiddenFill>
+            </a:ext>
+            <a:ext uri="{91240B29-F687-4f45-9708-019B960494DF}">
+              <a14:hiddenLine xmlns:a14="http://schemas.microsoft.com/office/drawing/2010/main" w="9525" cap="flat">
+                <a:solidFill>
+                  <a:srgbClr val="000000"/>
+                </a:solidFill>
+                <a:round/>
+                <a:headEnd/>
+                <a:tailEnd/>
+              </a14:hiddenLine>
+            </a:ext>
+            <a:ext uri="{AF507438-7753-43e0-B8FC-AC1667EBCBE1}">
+              <a14:hiddenEffects xmlns:a14="http://schemas.microsoft.com/office/drawing/2010/main">
+                <a:effectLst>
+                  <a:outerShdw blurRad="63500" dist="38099" dir="2700000" algn="ctr" rotWithShape="0">
+                    <a:srgbClr val="000000">
+                      <a:alpha val="74998"/>
+                    </a:srgbClr>
+                  </a:outerShdw>
+                </a:effectLst>
+              </a14:hiddenEffects>
+            </a:ext>
+          </a:extLst>
+        </p:spPr>
+      </p:pic>
+    </p:spTree>
+    <p:extLst>
+      <p:ext uri="{BB962C8B-B14F-4D97-AF65-F5344CB8AC3E}">
+        <p14:creationId xmlns:p14="http://schemas.microsoft.com/office/powerpoint/2010/main" val="3149557648"/>
+      </p:ext>
+    </p:extLst>
+  </p:cSld>
+  <p:clrMapOvr>
+    <a:masterClrMapping/>
+  </p:clrMapOvr>
+  <p:timing>
+    <p:tnLst>
+      <p:par>
+        <p:cTn xmlns:p14="http://schemas.microsoft.com/office/powerpoint/2010/main" id="1" dur="indefinite" restart="never" nodeType="tmRoot"/>
+      </p:par>
+    </p:tnLst>
+  </p:timing>
+</p:sld>
+</file>
+
+<file path=ppt/slides/slide19.xml><?xml version="1.0" encoding="utf-8"?>
+<p:sld xmlns:a="http://schemas.openxmlformats.org/drawingml/2006/main" xmlns:r="http://schemas.openxmlformats.org/officeDocument/2006/relationships" xmlns:p="http://schemas.openxmlformats.org/presentationml/2006/main">
+  <p:cSld>
+    <p:spTree>
+      <p:nvGrpSpPr>
+        <p:cNvPr id="1" name=""/>
+        <p:cNvGrpSpPr/>
+        <p:nvPr/>
+      </p:nvGrpSpPr>
+      <p:grpSpPr>
+        <a:xfrm>
+          <a:off x="0" y="0"/>
+          <a:ext cx="0" cy="0"/>
+          <a:chOff x="0" y="0"/>
+          <a:chExt cx="0" cy="0"/>
+        </a:xfrm>
+      </p:grpSpPr>
+      <p:sp>
+        <p:nvSpPr>
+          <p:cNvPr id="2" name="Title 1"/>
+          <p:cNvSpPr>
+            <a:spLocks noGrp="1"/>
+          </p:cNvSpPr>
+          <p:nvPr>
+            <p:ph type="title"/>
+          </p:nvPr>
+        </p:nvSpPr>
+        <p:spPr/>
+        <p:txBody>
+          <a:bodyPr/>
+          <a:lstStyle/>
+          <a:p>
+            <a:r>
               <a:rPr lang="en-US" dirty="0" smtClean="0"/>
               <a:t>Thalamic oscillators, cells and circuits</a:t>
             </a:r>
@@ -5548,10 +5867,225 @@
   <p:clrMapOvr>
     <a:masterClrMapping/>
   </p:clrMapOvr>
+  <p:timing>
+    <p:tnLst>
+      <p:par>
+        <p:cTn xmlns:p14="http://schemas.microsoft.com/office/powerpoint/2010/main" id="1" dur="indefinite" restart="never" nodeType="tmRoot"/>
+      </p:par>
+    </p:tnLst>
+  </p:timing>
 </p:sld>
 </file>
 
-<file path=ppt/slides/slide18.xml><?xml version="1.0" encoding="utf-8"?>
+<file path=ppt/slides/slide2.xml><?xml version="1.0" encoding="utf-8"?>
+<p:sld xmlns:a="http://schemas.openxmlformats.org/drawingml/2006/main" xmlns:r="http://schemas.openxmlformats.org/officeDocument/2006/relationships" xmlns:p="http://schemas.openxmlformats.org/presentationml/2006/main">
+  <p:cSld>
+    <p:spTree>
+      <p:nvGrpSpPr>
+        <p:cNvPr id="1" name=""/>
+        <p:cNvGrpSpPr/>
+        <p:nvPr/>
+      </p:nvGrpSpPr>
+      <p:grpSpPr>
+        <a:xfrm>
+          <a:off x="0" y="0"/>
+          <a:ext cx="0" cy="0"/>
+          <a:chOff x="0" y="0"/>
+          <a:chExt cx="0" cy="0"/>
+        </a:xfrm>
+      </p:grpSpPr>
+      <p:sp>
+        <p:nvSpPr>
+          <p:cNvPr id="115714" name="Rectangle 2"/>
+          <p:cNvSpPr>
+            <a:spLocks noGrp="1" noChangeArrowheads="1"/>
+          </p:cNvSpPr>
+          <p:nvPr>
+            <p:ph type="title"/>
+          </p:nvPr>
+        </p:nvSpPr>
+        <p:spPr/>
+        <p:txBody>
+          <a:bodyPr/>
+          <a:lstStyle/>
+          <a:p>
+            <a:r>
+              <a:rPr lang="en-US"/>
+              <a:t>Neuronal oscillations: functions</a:t>
+            </a:r>
+          </a:p>
+        </p:txBody>
+      </p:sp>
+      <p:sp>
+        <p:nvSpPr>
+          <p:cNvPr id="115715" name="Rectangle 3"/>
+          <p:cNvSpPr>
+            <a:spLocks noGrp="1" noChangeArrowheads="1"/>
+          </p:cNvSpPr>
+          <p:nvPr>
+            <p:ph type="body" idx="1"/>
+          </p:nvPr>
+        </p:nvSpPr>
+        <p:spPr/>
+        <p:txBody>
+          <a:bodyPr/>
+          <a:lstStyle/>
+          <a:p>
+            <a:pPr>
+              <a:lnSpc>
+                <a:spcPct val="86000"/>
+              </a:lnSpc>
+            </a:pPr>
+            <a:r>
+              <a:rPr lang="en-US" sz="2000" dirty="0"/>
+              <a:t>Sleep</a:t>
+            </a:r>
+          </a:p>
+          <a:p>
+            <a:pPr lvl="1">
+              <a:lnSpc>
+                <a:spcPct val="90000"/>
+              </a:lnSpc>
+            </a:pPr>
+            <a:r>
+              <a:rPr lang="en-US" sz="2000" dirty="0"/>
+              <a:t>Generate activity that is independent of sensory input</a:t>
+            </a:r>
+          </a:p>
+          <a:p>
+            <a:pPr lvl="1">
+              <a:lnSpc>
+                <a:spcPct val="90000"/>
+              </a:lnSpc>
+            </a:pPr>
+            <a:r>
+              <a:rPr lang="en-US" sz="2000" dirty="0"/>
+              <a:t>May play roles in memory consolidation or reprioritization. </a:t>
+            </a:r>
+          </a:p>
+          <a:p>
+            <a:pPr lvl="1">
+              <a:lnSpc>
+                <a:spcPct val="90000"/>
+              </a:lnSpc>
+            </a:pPr>
+            <a:r>
+              <a:rPr lang="en-US" sz="2000" dirty="0"/>
+              <a:t>Spindles, delta, sharp-wave ripple complexes</a:t>
+            </a:r>
+          </a:p>
+          <a:p>
+            <a:pPr>
+              <a:lnSpc>
+                <a:spcPct val="86000"/>
+              </a:lnSpc>
+            </a:pPr>
+            <a:r>
+              <a:rPr lang="en-US" sz="2000" dirty="0"/>
+              <a:t>Awake behavior</a:t>
+            </a:r>
+          </a:p>
+          <a:p>
+            <a:pPr lvl="1">
+              <a:lnSpc>
+                <a:spcPct val="90000"/>
+              </a:lnSpc>
+            </a:pPr>
+            <a:r>
+              <a:rPr lang="en-US" sz="2000" dirty="0"/>
+              <a:t>Exploration – theta </a:t>
+            </a:r>
+          </a:p>
+          <a:p>
+            <a:pPr lvl="1">
+              <a:lnSpc>
+                <a:spcPct val="90000"/>
+              </a:lnSpc>
+            </a:pPr>
+            <a:r>
+              <a:rPr lang="en-US" sz="2000" dirty="0"/>
+              <a:t>Sensory binding &amp; attention – gamma</a:t>
+            </a:r>
+          </a:p>
+          <a:p>
+            <a:pPr lvl="1">
+              <a:lnSpc>
+                <a:spcPct val="90000"/>
+              </a:lnSpc>
+            </a:pPr>
+            <a:r>
+              <a:rPr lang="en-US" sz="2000" dirty="0"/>
+              <a:t>Sensory discrimination – olfaction </a:t>
+            </a:r>
+            <a:endParaRPr lang="en-US" sz="2000" dirty="0" smtClean="0"/>
+          </a:p>
+          <a:p>
+            <a:pPr>
+              <a:lnSpc>
+                <a:spcPct val="90000"/>
+              </a:lnSpc>
+            </a:pPr>
+            <a:r>
+              <a:rPr lang="en-US" sz="2000" dirty="0" smtClean="0"/>
+              <a:t>Pathology</a:t>
+            </a:r>
+            <a:endParaRPr lang="en-US" sz="2000" dirty="0"/>
+          </a:p>
+          <a:p>
+            <a:pPr lvl="1">
+              <a:lnSpc>
+                <a:spcPct val="90000"/>
+              </a:lnSpc>
+            </a:pPr>
+            <a:r>
+              <a:rPr lang="en-US" sz="2000" dirty="0"/>
+              <a:t>Epilepsy</a:t>
+            </a:r>
+          </a:p>
+          <a:p>
+            <a:pPr lvl="1">
+              <a:lnSpc>
+                <a:spcPct val="90000"/>
+              </a:lnSpc>
+            </a:pPr>
+            <a:r>
+              <a:rPr lang="en-US" sz="2000" dirty="0"/>
+              <a:t>Parkinson</a:t>
+            </a:r>
+            <a:r>
+              <a:rPr lang="ja-JP" altLang="en-US" sz="2000" dirty="0">
+                <a:latin typeface="Arial"/>
+              </a:rPr>
+              <a:t>’</a:t>
+            </a:r>
+            <a:r>
+              <a:rPr lang="en-US" sz="2000" dirty="0"/>
+              <a:t>s disease</a:t>
+            </a:r>
+          </a:p>
+        </p:txBody>
+      </p:sp>
+    </p:spTree>
+    <p:extLst>
+      <p:ext uri="{BB962C8B-B14F-4D97-AF65-F5344CB8AC3E}">
+        <p14:creationId xmlns:p14="http://schemas.microsoft.com/office/powerpoint/2010/main" val="2105200607"/>
+      </p:ext>
+    </p:extLst>
+  </p:cSld>
+  <p:clrMapOvr>
+    <a:masterClrMapping/>
+  </p:clrMapOvr>
+  <p:timing>
+    <p:tnLst>
+      <p:par>
+        <p:cTn xmlns:p14="http://schemas.microsoft.com/office/powerpoint/2010/main" id="1" dur="indefinite" restart="never" nodeType="tmRoot"/>
+      </p:par>
+    </p:tnLst>
+  </p:timing>
+</p:sld>
+</file>
+
+<file path=ppt/slides/slide20.xml><?xml version="1.0" encoding="utf-8"?>
 <p:sld xmlns:a="http://schemas.openxmlformats.org/drawingml/2006/main" xmlns:r="http://schemas.openxmlformats.org/officeDocument/2006/relationships" xmlns:p="http://schemas.openxmlformats.org/presentationml/2006/main">
   <p:cSld>
     <p:spTree>
@@ -5706,10 +6240,17 @@
   <p:clrMapOvr>
     <a:masterClrMapping/>
   </p:clrMapOvr>
+  <p:timing>
+    <p:tnLst>
+      <p:par>
+        <p:cTn xmlns:p14="http://schemas.microsoft.com/office/powerpoint/2010/main" id="1" dur="indefinite" restart="never" nodeType="tmRoot"/>
+      </p:par>
+    </p:tnLst>
+  </p:timing>
 </p:sld>
 </file>
 
-<file path=ppt/slides/slide19.xml><?xml version="1.0" encoding="utf-8"?>
+<file path=ppt/slides/slide21.xml><?xml version="1.0" encoding="utf-8"?>
 <p:sld xmlns:a="http://schemas.openxmlformats.org/drawingml/2006/main" xmlns:r="http://schemas.openxmlformats.org/officeDocument/2006/relationships" xmlns:p="http://schemas.openxmlformats.org/presentationml/2006/main">
   <p:cSld>
     <p:spTree>
@@ -5791,211 +6332,17 @@
   <p:clrMapOvr>
     <a:masterClrMapping/>
   </p:clrMapOvr>
+  <p:timing>
+    <p:tnLst>
+      <p:par>
+        <p:cTn xmlns:p14="http://schemas.microsoft.com/office/powerpoint/2010/main" id="1" dur="indefinite" restart="never" nodeType="tmRoot"/>
+      </p:par>
+    </p:tnLst>
+  </p:timing>
 </p:sld>
 </file>
 
-<file path=ppt/slides/slide2.xml><?xml version="1.0" encoding="utf-8"?>
-<p:sld xmlns:a="http://schemas.openxmlformats.org/drawingml/2006/main" xmlns:r="http://schemas.openxmlformats.org/officeDocument/2006/relationships" xmlns:p="http://schemas.openxmlformats.org/presentationml/2006/main">
-  <p:cSld>
-    <p:spTree>
-      <p:nvGrpSpPr>
-        <p:cNvPr id="1" name=""/>
-        <p:cNvGrpSpPr/>
-        <p:nvPr/>
-      </p:nvGrpSpPr>
-      <p:grpSpPr>
-        <a:xfrm>
-          <a:off x="0" y="0"/>
-          <a:ext cx="0" cy="0"/>
-          <a:chOff x="0" y="0"/>
-          <a:chExt cx="0" cy="0"/>
-        </a:xfrm>
-      </p:grpSpPr>
-      <p:sp>
-        <p:nvSpPr>
-          <p:cNvPr id="115714" name="Rectangle 2"/>
-          <p:cNvSpPr>
-            <a:spLocks noGrp="1" noChangeArrowheads="1"/>
-          </p:cNvSpPr>
-          <p:nvPr>
-            <p:ph type="title"/>
-          </p:nvPr>
-        </p:nvSpPr>
-        <p:spPr/>
-        <p:txBody>
-          <a:bodyPr/>
-          <a:lstStyle/>
-          <a:p>
-            <a:r>
-              <a:rPr lang="en-US"/>
-              <a:t>Neuronal oscillations: functions</a:t>
-            </a:r>
-          </a:p>
-        </p:txBody>
-      </p:sp>
-      <p:sp>
-        <p:nvSpPr>
-          <p:cNvPr id="115715" name="Rectangle 3"/>
-          <p:cNvSpPr>
-            <a:spLocks noGrp="1" noChangeArrowheads="1"/>
-          </p:cNvSpPr>
-          <p:nvPr>
-            <p:ph type="body" idx="1"/>
-          </p:nvPr>
-        </p:nvSpPr>
-        <p:spPr/>
-        <p:txBody>
-          <a:bodyPr/>
-          <a:lstStyle/>
-          <a:p>
-            <a:pPr>
-              <a:lnSpc>
-                <a:spcPct val="86000"/>
-              </a:lnSpc>
-            </a:pPr>
-            <a:r>
-              <a:rPr lang="en-US" sz="2000" dirty="0"/>
-              <a:t>Sleep</a:t>
-            </a:r>
-          </a:p>
-          <a:p>
-            <a:pPr lvl="1">
-              <a:lnSpc>
-                <a:spcPct val="90000"/>
-              </a:lnSpc>
-            </a:pPr>
-            <a:r>
-              <a:rPr lang="en-US" sz="2000" dirty="0"/>
-              <a:t>Generate activity that is independent of sensory input</a:t>
-            </a:r>
-          </a:p>
-          <a:p>
-            <a:pPr lvl="1">
-              <a:lnSpc>
-                <a:spcPct val="90000"/>
-              </a:lnSpc>
-            </a:pPr>
-            <a:r>
-              <a:rPr lang="en-US" sz="2000" dirty="0"/>
-              <a:t>May play roles in memory consolidation or reprioritization. </a:t>
-            </a:r>
-          </a:p>
-          <a:p>
-            <a:pPr lvl="1">
-              <a:lnSpc>
-                <a:spcPct val="90000"/>
-              </a:lnSpc>
-            </a:pPr>
-            <a:r>
-              <a:rPr lang="en-US" sz="2000" dirty="0"/>
-              <a:t>Spindles, delta, sharp-wave ripple complexes</a:t>
-            </a:r>
-          </a:p>
-          <a:p>
-            <a:pPr>
-              <a:lnSpc>
-                <a:spcPct val="86000"/>
-              </a:lnSpc>
-            </a:pPr>
-            <a:r>
-              <a:rPr lang="en-US" sz="2000" dirty="0"/>
-              <a:t>Awake behavior</a:t>
-            </a:r>
-          </a:p>
-          <a:p>
-            <a:pPr lvl="1">
-              <a:lnSpc>
-                <a:spcPct val="90000"/>
-              </a:lnSpc>
-            </a:pPr>
-            <a:r>
-              <a:rPr lang="en-US" sz="2000" dirty="0"/>
-              <a:t>Exploration – theta </a:t>
-            </a:r>
-          </a:p>
-          <a:p>
-            <a:pPr lvl="1">
-              <a:lnSpc>
-                <a:spcPct val="90000"/>
-              </a:lnSpc>
-            </a:pPr>
-            <a:r>
-              <a:rPr lang="en-US" sz="2000" dirty="0"/>
-              <a:t>Sensory binding &amp; attention – gamma</a:t>
-            </a:r>
-          </a:p>
-          <a:p>
-            <a:pPr lvl="1">
-              <a:lnSpc>
-                <a:spcPct val="90000"/>
-              </a:lnSpc>
-            </a:pPr>
-            <a:r>
-              <a:rPr lang="en-US" sz="2000" dirty="0"/>
-              <a:t>Sensory discrimination – olfaction </a:t>
-            </a:r>
-            <a:endParaRPr lang="en-US" sz="2000" dirty="0" smtClean="0"/>
-          </a:p>
-          <a:p>
-            <a:pPr>
-              <a:lnSpc>
-                <a:spcPct val="90000"/>
-              </a:lnSpc>
-            </a:pPr>
-            <a:r>
-              <a:rPr lang="en-US" sz="2000" dirty="0" smtClean="0"/>
-              <a:t>Pathology</a:t>
-            </a:r>
-            <a:endParaRPr lang="en-US" sz="2000" dirty="0"/>
-          </a:p>
-          <a:p>
-            <a:pPr lvl="1">
-              <a:lnSpc>
-                <a:spcPct val="90000"/>
-              </a:lnSpc>
-            </a:pPr>
-            <a:r>
-              <a:rPr lang="en-US" sz="2000" dirty="0"/>
-              <a:t>Epilepsy</a:t>
-            </a:r>
-          </a:p>
-          <a:p>
-            <a:pPr lvl="1">
-              <a:lnSpc>
-                <a:spcPct val="90000"/>
-              </a:lnSpc>
-            </a:pPr>
-            <a:r>
-              <a:rPr lang="en-US" sz="2000" dirty="0"/>
-              <a:t>Parkinson</a:t>
-            </a:r>
-            <a:r>
-              <a:rPr lang="ja-JP" altLang="en-US" sz="2000" dirty="0">
-                <a:latin typeface="Arial"/>
-              </a:rPr>
-              <a:t>’</a:t>
-            </a:r>
-            <a:r>
-              <a:rPr lang="en-US" sz="2000" dirty="0"/>
-              <a:t>s disease</a:t>
-            </a:r>
-          </a:p>
-        </p:txBody>
-      </p:sp>
-    </p:spTree>
-    <p:extLst>
-      <p:ext uri="{BB962C8B-B14F-4D97-AF65-F5344CB8AC3E}">
-        <p14:creationId xmlns:p14="http://schemas.microsoft.com/office/powerpoint/2010/main" val="2105200607"/>
-      </p:ext>
-    </p:extLst>
-  </p:cSld>
-  <p:clrMapOvr>
-    <a:masterClrMapping/>
-  </p:clrMapOvr>
-</p:sld>
-</file>
-
-<file path=ppt/slides/slide20.xml><?xml version="1.0" encoding="utf-8"?>
+<file path=ppt/slides/slide22.xml><?xml version="1.0" encoding="utf-8"?>
 <p:sld xmlns:a="http://schemas.openxmlformats.org/drawingml/2006/main" xmlns:r="http://schemas.openxmlformats.org/officeDocument/2006/relationships" xmlns:p="http://schemas.openxmlformats.org/presentationml/2006/main">
   <p:cSld>
     <p:spTree>
@@ -6112,248 +6459,6 @@
     <p:extLst>
       <p:ext uri="{BB962C8B-B14F-4D97-AF65-F5344CB8AC3E}">
         <p14:creationId xmlns:p14="http://schemas.microsoft.com/office/powerpoint/2010/main" val="4082121665"/>
-      </p:ext>
-    </p:extLst>
-  </p:cSld>
-  <p:clrMapOvr>
-    <a:masterClrMapping/>
-  </p:clrMapOvr>
-</p:sld>
-</file>
-
-<file path=ppt/slides/slide21.xml><?xml version="1.0" encoding="utf-8"?>
-<p:sld xmlns:a="http://schemas.openxmlformats.org/drawingml/2006/main" xmlns:r="http://schemas.openxmlformats.org/officeDocument/2006/relationships" xmlns:p="http://schemas.openxmlformats.org/presentationml/2006/main">
-  <p:cSld>
-    <p:spTree>
-      <p:nvGrpSpPr>
-        <p:cNvPr id="1" name=""/>
-        <p:cNvGrpSpPr/>
-        <p:nvPr/>
-      </p:nvGrpSpPr>
-      <p:grpSpPr>
-        <a:xfrm>
-          <a:off x="0" y="0"/>
-          <a:ext cx="0" cy="0"/>
-          <a:chOff x="0" y="0"/>
-          <a:chExt cx="0" cy="0"/>
-        </a:xfrm>
-      </p:grpSpPr>
-      <p:sp>
-        <p:nvSpPr>
-          <p:cNvPr id="2" name="Title 1"/>
-          <p:cNvSpPr>
-            <a:spLocks noGrp="1"/>
-          </p:cNvSpPr>
-          <p:nvPr>
-            <p:ph type="title"/>
-          </p:nvPr>
-        </p:nvSpPr>
-        <p:spPr/>
-        <p:txBody>
-          <a:bodyPr/>
-          <a:lstStyle/>
-          <a:p>
-            <a:r>
-              <a:rPr lang="en-US" dirty="0" smtClean="0"/>
-              <a:t>Properties of I-h, steady state activation</a:t>
-            </a:r>
-            <a:endParaRPr lang="en-US" dirty="0"/>
-          </a:p>
-        </p:txBody>
-      </p:sp>
-      <p:pic>
-        <p:nvPicPr>
-          <p:cNvPr id="4" name="Picture 3" descr="Screen Shot 2016-05-10 at 1.12.47 PM.png"/>
-          <p:cNvPicPr>
-            <a:picLocks noChangeAspect="1"/>
-          </p:cNvPicPr>
-          <p:nvPr/>
-        </p:nvPicPr>
-        <p:blipFill>
-          <a:blip r:embed="rId2">
-            <a:extLst>
-              <a:ext uri="{28A0092B-C50C-407E-A947-70E740481C1C}">
-                <a14:useLocalDpi xmlns:a14="http://schemas.microsoft.com/office/drawing/2010/main" val="0"/>
-              </a:ext>
-            </a:extLst>
-          </a:blip>
-          <a:stretch>
-            <a:fillRect/>
-          </a:stretch>
-        </p:blipFill>
-        <p:spPr>
-          <a:xfrm>
-            <a:off x="609600" y="1600200"/>
-            <a:ext cx="7924800" cy="3614821"/>
-          </a:xfrm>
-          <a:prstGeom prst="rect">
-            <a:avLst/>
-          </a:prstGeom>
-        </p:spPr>
-      </p:pic>
-      <p:sp>
-        <p:nvSpPr>
-          <p:cNvPr id="5" name="TextBox 4"/>
-          <p:cNvSpPr txBox="1"/>
-          <p:nvPr/>
-        </p:nvSpPr>
-        <p:spPr>
-          <a:xfrm>
-            <a:off x="6629400" y="6400800"/>
-            <a:ext cx="2278789" cy="307777"/>
-          </a:xfrm>
-          <a:prstGeom prst="rect">
-            <a:avLst/>
-          </a:prstGeom>
-          <a:noFill/>
-        </p:spPr>
-        <p:txBody>
-          <a:bodyPr wrap="none" rtlCol="0">
-            <a:spAutoFit/>
-          </a:bodyPr>
-          <a:lstStyle/>
-          <a:p>
-            <a:r>
-              <a:rPr lang="en-US" sz="1400" baseline="0" dirty="0" smtClean="0"/>
-              <a:t>McCormick and </a:t>
-            </a:r>
-            <a:r>
-              <a:rPr lang="en-US" sz="1400" baseline="0" dirty="0" err="1" smtClean="0"/>
-              <a:t>Pape</a:t>
-            </a:r>
-            <a:r>
-              <a:rPr lang="en-US" sz="1400" baseline="0" dirty="0" smtClean="0"/>
-              <a:t>, 1990a</a:t>
-            </a:r>
-            <a:endParaRPr lang="en-US" sz="1400" baseline="0" dirty="0"/>
-          </a:p>
-        </p:txBody>
-      </p:sp>
-    </p:spTree>
-    <p:extLst>
-      <p:ext uri="{BB962C8B-B14F-4D97-AF65-F5344CB8AC3E}">
-        <p14:creationId xmlns:p14="http://schemas.microsoft.com/office/powerpoint/2010/main" val="623207596"/>
-      </p:ext>
-    </p:extLst>
-  </p:cSld>
-  <p:clrMapOvr>
-    <a:masterClrMapping/>
-  </p:clrMapOvr>
-</p:sld>
-</file>
-
-<file path=ppt/slides/slide22.xml><?xml version="1.0" encoding="utf-8"?>
-<p:sld xmlns:a="http://schemas.openxmlformats.org/drawingml/2006/main" xmlns:r="http://schemas.openxmlformats.org/officeDocument/2006/relationships" xmlns:p="http://schemas.openxmlformats.org/presentationml/2006/main">
-  <p:cSld>
-    <p:spTree>
-      <p:nvGrpSpPr>
-        <p:cNvPr id="1" name=""/>
-        <p:cNvGrpSpPr/>
-        <p:nvPr/>
-      </p:nvGrpSpPr>
-      <p:grpSpPr>
-        <a:xfrm>
-          <a:off x="0" y="0"/>
-          <a:ext cx="0" cy="0"/>
-          <a:chOff x="0" y="0"/>
-          <a:chExt cx="0" cy="0"/>
-        </a:xfrm>
-      </p:grpSpPr>
-      <p:sp>
-        <p:nvSpPr>
-          <p:cNvPr id="2" name="Title 1"/>
-          <p:cNvSpPr>
-            <a:spLocks noGrp="1"/>
-          </p:cNvSpPr>
-          <p:nvPr>
-            <p:ph type="title"/>
-          </p:nvPr>
-        </p:nvSpPr>
-        <p:spPr/>
-        <p:txBody>
-          <a:bodyPr/>
-          <a:lstStyle/>
-          <a:p>
-            <a:r>
-              <a:rPr lang="en-US" sz="3200" dirty="0" smtClean="0"/>
-              <a:t>Properties of I-h, activation/deactivation rates</a:t>
-            </a:r>
-            <a:endParaRPr lang="en-US" sz="3200" dirty="0"/>
-          </a:p>
-        </p:txBody>
-      </p:sp>
-      <p:pic>
-        <p:nvPicPr>
-          <p:cNvPr id="3" name="Picture 2" descr="Screen Shot 2016-05-10 at 1.13.46 PM.png"/>
-          <p:cNvPicPr>
-            <a:picLocks noChangeAspect="1"/>
-          </p:cNvPicPr>
-          <p:nvPr/>
-        </p:nvPicPr>
-        <p:blipFill>
-          <a:blip r:embed="rId2">
-            <a:extLst>
-              <a:ext uri="{28A0092B-C50C-407E-A947-70E740481C1C}">
-                <a14:useLocalDpi xmlns:a14="http://schemas.microsoft.com/office/drawing/2010/main" val="0"/>
-              </a:ext>
-            </a:extLst>
-          </a:blip>
-          <a:stretch>
-            <a:fillRect/>
-          </a:stretch>
-        </p:blipFill>
-        <p:spPr>
-          <a:xfrm rot="5400000">
-            <a:off x="2010949" y="0"/>
-            <a:ext cx="4732699" cy="6858000"/>
-          </a:xfrm>
-          <a:prstGeom prst="rect">
-            <a:avLst/>
-          </a:prstGeom>
-        </p:spPr>
-      </p:pic>
-      <p:sp>
-        <p:nvSpPr>
-          <p:cNvPr id="4" name="TextBox 3"/>
-          <p:cNvSpPr txBox="1"/>
-          <p:nvPr/>
-        </p:nvSpPr>
-        <p:spPr>
-          <a:xfrm>
-            <a:off x="6629400" y="6400800"/>
-            <a:ext cx="2278789" cy="307777"/>
-          </a:xfrm>
-          <a:prstGeom prst="rect">
-            <a:avLst/>
-          </a:prstGeom>
-          <a:noFill/>
-        </p:spPr>
-        <p:txBody>
-          <a:bodyPr wrap="none" rtlCol="0">
-            <a:spAutoFit/>
-          </a:bodyPr>
-          <a:lstStyle/>
-          <a:p>
-            <a:r>
-              <a:rPr lang="en-US" sz="1400" baseline="0" dirty="0" smtClean="0"/>
-              <a:t>McCormick and </a:t>
-            </a:r>
-            <a:r>
-              <a:rPr lang="en-US" sz="1400" baseline="0" dirty="0" err="1" smtClean="0"/>
-              <a:t>Pape</a:t>
-            </a:r>
-            <a:r>
-              <a:rPr lang="en-US" sz="1400" baseline="0" dirty="0" smtClean="0"/>
-              <a:t>, 1990a</a:t>
-            </a:r>
-            <a:endParaRPr lang="en-US" sz="1400" baseline="0" dirty="0"/>
-          </a:p>
-        </p:txBody>
-      </p:sp>
-    </p:spTree>
-    <p:extLst>
-      <p:ext uri="{BB962C8B-B14F-4D97-AF65-F5344CB8AC3E}">
-        <p14:creationId xmlns:p14="http://schemas.microsoft.com/office/powerpoint/2010/main" val="2966276410"/>
       </p:ext>
     </p:extLst>
   </p:cSld>
@@ -6397,6 +6502,262 @@
             <p:ph type="title"/>
           </p:nvPr>
         </p:nvSpPr>
+        <p:spPr/>
+        <p:txBody>
+          <a:bodyPr/>
+          <a:lstStyle/>
+          <a:p>
+            <a:r>
+              <a:rPr lang="en-US" dirty="0" smtClean="0"/>
+              <a:t>Properties of I-h, steady state activation</a:t>
+            </a:r>
+            <a:endParaRPr lang="en-US" dirty="0"/>
+          </a:p>
+        </p:txBody>
+      </p:sp>
+      <p:pic>
+        <p:nvPicPr>
+          <p:cNvPr id="4" name="Picture 3" descr="Screen Shot 2016-05-10 at 1.12.47 PM.png"/>
+          <p:cNvPicPr>
+            <a:picLocks noChangeAspect="1"/>
+          </p:cNvPicPr>
+          <p:nvPr/>
+        </p:nvPicPr>
+        <p:blipFill>
+          <a:blip r:embed="rId2">
+            <a:extLst>
+              <a:ext uri="{28A0092B-C50C-407E-A947-70E740481C1C}">
+                <a14:useLocalDpi xmlns:a14="http://schemas.microsoft.com/office/drawing/2010/main" val="0"/>
+              </a:ext>
+            </a:extLst>
+          </a:blip>
+          <a:stretch>
+            <a:fillRect/>
+          </a:stretch>
+        </p:blipFill>
+        <p:spPr>
+          <a:xfrm>
+            <a:off x="609600" y="1600200"/>
+            <a:ext cx="7924800" cy="3614821"/>
+          </a:xfrm>
+          <a:prstGeom prst="rect">
+            <a:avLst/>
+          </a:prstGeom>
+        </p:spPr>
+      </p:pic>
+      <p:sp>
+        <p:nvSpPr>
+          <p:cNvPr id="5" name="TextBox 4"/>
+          <p:cNvSpPr txBox="1"/>
+          <p:nvPr/>
+        </p:nvSpPr>
+        <p:spPr>
+          <a:xfrm>
+            <a:off x="6629400" y="6400800"/>
+            <a:ext cx="2278789" cy="307777"/>
+          </a:xfrm>
+          <a:prstGeom prst="rect">
+            <a:avLst/>
+          </a:prstGeom>
+          <a:noFill/>
+        </p:spPr>
+        <p:txBody>
+          <a:bodyPr wrap="none" rtlCol="0">
+            <a:spAutoFit/>
+          </a:bodyPr>
+          <a:lstStyle/>
+          <a:p>
+            <a:r>
+              <a:rPr lang="en-US" sz="1400" baseline="0" dirty="0" smtClean="0"/>
+              <a:t>McCormick and </a:t>
+            </a:r>
+            <a:r>
+              <a:rPr lang="en-US" sz="1400" baseline="0" dirty="0" err="1" smtClean="0"/>
+              <a:t>Pape</a:t>
+            </a:r>
+            <a:r>
+              <a:rPr lang="en-US" sz="1400" baseline="0" dirty="0" smtClean="0"/>
+              <a:t>, 1990a</a:t>
+            </a:r>
+            <a:endParaRPr lang="en-US" sz="1400" baseline="0" dirty="0"/>
+          </a:p>
+        </p:txBody>
+      </p:sp>
+    </p:spTree>
+    <p:extLst>
+      <p:ext uri="{BB962C8B-B14F-4D97-AF65-F5344CB8AC3E}">
+        <p14:creationId xmlns:p14="http://schemas.microsoft.com/office/powerpoint/2010/main" val="623207596"/>
+      </p:ext>
+    </p:extLst>
+  </p:cSld>
+  <p:clrMapOvr>
+    <a:masterClrMapping/>
+  </p:clrMapOvr>
+  <p:timing>
+    <p:tnLst>
+      <p:par>
+        <p:cTn xmlns:p14="http://schemas.microsoft.com/office/powerpoint/2010/main" id="1" dur="indefinite" restart="never" nodeType="tmRoot"/>
+      </p:par>
+    </p:tnLst>
+  </p:timing>
+</p:sld>
+</file>
+
+<file path=ppt/slides/slide24.xml><?xml version="1.0" encoding="utf-8"?>
+<p:sld xmlns:a="http://schemas.openxmlformats.org/drawingml/2006/main" xmlns:r="http://schemas.openxmlformats.org/officeDocument/2006/relationships" xmlns:p="http://schemas.openxmlformats.org/presentationml/2006/main">
+  <p:cSld>
+    <p:spTree>
+      <p:nvGrpSpPr>
+        <p:cNvPr id="1" name=""/>
+        <p:cNvGrpSpPr/>
+        <p:nvPr/>
+      </p:nvGrpSpPr>
+      <p:grpSpPr>
+        <a:xfrm>
+          <a:off x="0" y="0"/>
+          <a:ext cx="0" cy="0"/>
+          <a:chOff x="0" y="0"/>
+          <a:chExt cx="0" cy="0"/>
+        </a:xfrm>
+      </p:grpSpPr>
+      <p:sp>
+        <p:nvSpPr>
+          <p:cNvPr id="2" name="Title 1"/>
+          <p:cNvSpPr>
+            <a:spLocks noGrp="1"/>
+          </p:cNvSpPr>
+          <p:nvPr>
+            <p:ph type="title"/>
+          </p:nvPr>
+        </p:nvSpPr>
+        <p:spPr/>
+        <p:txBody>
+          <a:bodyPr/>
+          <a:lstStyle/>
+          <a:p>
+            <a:r>
+              <a:rPr lang="en-US" sz="3200" dirty="0" smtClean="0"/>
+              <a:t>Properties of I-h, activation/deactivation rates</a:t>
+            </a:r>
+            <a:endParaRPr lang="en-US" sz="3200" dirty="0"/>
+          </a:p>
+        </p:txBody>
+      </p:sp>
+      <p:pic>
+        <p:nvPicPr>
+          <p:cNvPr id="3" name="Picture 2" descr="Screen Shot 2016-05-10 at 1.13.46 PM.png"/>
+          <p:cNvPicPr>
+            <a:picLocks noChangeAspect="1"/>
+          </p:cNvPicPr>
+          <p:nvPr/>
+        </p:nvPicPr>
+        <p:blipFill>
+          <a:blip r:embed="rId2">
+            <a:extLst>
+              <a:ext uri="{28A0092B-C50C-407E-A947-70E740481C1C}">
+                <a14:useLocalDpi xmlns:a14="http://schemas.microsoft.com/office/drawing/2010/main" val="0"/>
+              </a:ext>
+            </a:extLst>
+          </a:blip>
+          <a:stretch>
+            <a:fillRect/>
+          </a:stretch>
+        </p:blipFill>
+        <p:spPr>
+          <a:xfrm rot="5400000">
+            <a:off x="2010949" y="0"/>
+            <a:ext cx="4732699" cy="6858000"/>
+          </a:xfrm>
+          <a:prstGeom prst="rect">
+            <a:avLst/>
+          </a:prstGeom>
+        </p:spPr>
+      </p:pic>
+      <p:sp>
+        <p:nvSpPr>
+          <p:cNvPr id="4" name="TextBox 3"/>
+          <p:cNvSpPr txBox="1"/>
+          <p:nvPr/>
+        </p:nvSpPr>
+        <p:spPr>
+          <a:xfrm>
+            <a:off x="6629400" y="6400800"/>
+            <a:ext cx="2278789" cy="307777"/>
+          </a:xfrm>
+          <a:prstGeom prst="rect">
+            <a:avLst/>
+          </a:prstGeom>
+          <a:noFill/>
+        </p:spPr>
+        <p:txBody>
+          <a:bodyPr wrap="none" rtlCol="0">
+            <a:spAutoFit/>
+          </a:bodyPr>
+          <a:lstStyle/>
+          <a:p>
+            <a:r>
+              <a:rPr lang="en-US" sz="1400" baseline="0" dirty="0" smtClean="0"/>
+              <a:t>McCormick and </a:t>
+            </a:r>
+            <a:r>
+              <a:rPr lang="en-US" sz="1400" baseline="0" dirty="0" err="1" smtClean="0"/>
+              <a:t>Pape</a:t>
+            </a:r>
+            <a:r>
+              <a:rPr lang="en-US" sz="1400" baseline="0" dirty="0" smtClean="0"/>
+              <a:t>, 1990a</a:t>
+            </a:r>
+            <a:endParaRPr lang="en-US" sz="1400" baseline="0" dirty="0"/>
+          </a:p>
+        </p:txBody>
+      </p:sp>
+    </p:spTree>
+    <p:extLst>
+      <p:ext uri="{BB962C8B-B14F-4D97-AF65-F5344CB8AC3E}">
+        <p14:creationId xmlns:p14="http://schemas.microsoft.com/office/powerpoint/2010/main" val="2966276410"/>
+      </p:ext>
+    </p:extLst>
+  </p:cSld>
+  <p:clrMapOvr>
+    <a:masterClrMapping/>
+  </p:clrMapOvr>
+  <p:timing>
+    <p:tnLst>
+      <p:par>
+        <p:cTn xmlns:p14="http://schemas.microsoft.com/office/powerpoint/2010/main" id="1" dur="indefinite" restart="never" nodeType="tmRoot"/>
+      </p:par>
+    </p:tnLst>
+  </p:timing>
+</p:sld>
+</file>
+
+<file path=ppt/slides/slide25.xml><?xml version="1.0" encoding="utf-8"?>
+<p:sld xmlns:a="http://schemas.openxmlformats.org/drawingml/2006/main" xmlns:r="http://schemas.openxmlformats.org/officeDocument/2006/relationships" xmlns:p="http://schemas.openxmlformats.org/presentationml/2006/main">
+  <p:cSld>
+    <p:spTree>
+      <p:nvGrpSpPr>
+        <p:cNvPr id="1" name=""/>
+        <p:cNvGrpSpPr/>
+        <p:nvPr/>
+      </p:nvGrpSpPr>
+      <p:grpSpPr>
+        <a:xfrm>
+          <a:off x="0" y="0"/>
+          <a:ext cx="0" cy="0"/>
+          <a:chOff x="0" y="0"/>
+          <a:chExt cx="0" cy="0"/>
+        </a:xfrm>
+      </p:grpSpPr>
+      <p:sp>
+        <p:nvSpPr>
+          <p:cNvPr id="2" name="Title 1"/>
+          <p:cNvSpPr>
+            <a:spLocks noGrp="1"/>
+          </p:cNvSpPr>
+          <p:nvPr>
+            <p:ph type="title"/>
+          </p:nvPr>
+        </p:nvSpPr>
         <p:spPr>
           <a:xfrm>
             <a:off x="152400" y="266700"/>
@@ -6504,10 +6865,17 @@
   <p:clrMapOvr>
     <a:masterClrMapping/>
   </p:clrMapOvr>
+  <p:timing>
+    <p:tnLst>
+      <p:par>
+        <p:cTn xmlns:p14="http://schemas.microsoft.com/office/powerpoint/2010/main" id="1" dur="indefinite" restart="never" nodeType="tmRoot"/>
+      </p:par>
+    </p:tnLst>
+  </p:timing>
 </p:sld>
 </file>
 
-<file path=ppt/slides/slide24.xml><?xml version="1.0" encoding="utf-8"?>
+<file path=ppt/slides/slide26.xml><?xml version="1.0" encoding="utf-8"?>
 <p:sld xmlns:a="http://schemas.openxmlformats.org/drawingml/2006/main" xmlns:r="http://schemas.openxmlformats.org/officeDocument/2006/relationships" xmlns:p="http://schemas.openxmlformats.org/presentationml/2006/main">
   <p:cSld>
     <p:spTree>
@@ -6732,7 +7100,7 @@
 </p:sld>
 </file>
 
-<file path=ppt/slides/slide25.xml><?xml version="1.0" encoding="utf-8"?>
+<file path=ppt/slides/slide27.xml><?xml version="1.0" encoding="utf-8"?>
 <p:sld xmlns:a="http://schemas.openxmlformats.org/drawingml/2006/main" xmlns:r="http://schemas.openxmlformats.org/officeDocument/2006/relationships" xmlns:p="http://schemas.openxmlformats.org/presentationml/2006/main">
   <p:cSld>
     <p:spTree>
@@ -6792,7 +7160,7 @@
           <a:graphicData uri="http://schemas.openxmlformats.org/presentationml/2006/ole">
             <mc:AlternateContent xmlns:mc="http://schemas.openxmlformats.org/markup-compatibility/2006">
               <mc:Choice xmlns:v="urn:schemas-microsoft-com:vml" Requires="v">
-                <p:oleObj spid="_x0000_s291845" name="CorelDRAW" r:id="rId4" imgW="8418240" imgH="183600" progId="CorelDRAW.Graphic.9">
+                <p:oleObj spid="_x0000_s291848" name="CorelDRAW" r:id="rId4" imgW="8418240" imgH="183600" progId="CorelDRAW.Graphic.9">
                   <p:embed/>
                 </p:oleObj>
               </mc:Choice>
@@ -6923,10 +7291,17 @@
     <a:masterClrMapping/>
   </p:clrMapOvr>
   <p:transition xmlns:p14="http://schemas.microsoft.com/office/powerpoint/2010/main" advTm="58288"/>
+  <p:timing>
+    <p:tnLst>
+      <p:par>
+        <p:cTn xmlns:p14="http://schemas.microsoft.com/office/powerpoint/2010/main" id="1" dur="indefinite" restart="never" nodeType="tmRoot"/>
+      </p:par>
+    </p:tnLst>
+  </p:timing>
 </p:sld>
 </file>
 
-<file path=ppt/slides/slide26.xml><?xml version="1.0" encoding="utf-8"?>
+<file path=ppt/slides/slide28.xml><?xml version="1.0" encoding="utf-8"?>
 <p:sld xmlns:a="http://schemas.openxmlformats.org/drawingml/2006/main" xmlns:r="http://schemas.openxmlformats.org/officeDocument/2006/relationships" xmlns:p="http://schemas.openxmlformats.org/presentationml/2006/main">
   <p:cSld>
     <p:bg>
@@ -7749,7 +8124,7 @@
 </p:sld>
 </file>
 
-<file path=ppt/slides/slide27.xml><?xml version="1.0" encoding="utf-8"?>
+<file path=ppt/slides/slide29.xml><?xml version="1.0" encoding="utf-8"?>
 <p:sld xmlns:a="http://schemas.openxmlformats.org/drawingml/2006/main" xmlns:r="http://schemas.openxmlformats.org/officeDocument/2006/relationships" xmlns:p="http://schemas.openxmlformats.org/presentationml/2006/main">
   <p:cSld>
     <p:spTree>
@@ -8113,7 +8488,75 @@
 </p:sld>
 </file>
 
-<file path=ppt/slides/slide28.xml><?xml version="1.0" encoding="utf-8"?>
+<file path=ppt/slides/slide3.xml><?xml version="1.0" encoding="utf-8"?>
+<p:sld xmlns:a="http://schemas.openxmlformats.org/drawingml/2006/main" xmlns:r="http://schemas.openxmlformats.org/officeDocument/2006/relationships" xmlns:p="http://schemas.openxmlformats.org/presentationml/2006/main">
+  <p:cSld>
+    <p:spTree>
+      <p:nvGrpSpPr>
+        <p:cNvPr id="1" name=""/>
+        <p:cNvGrpSpPr/>
+        <p:nvPr/>
+      </p:nvGrpSpPr>
+      <p:grpSpPr>
+        <a:xfrm>
+          <a:off x="0" y="0"/>
+          <a:ext cx="0" cy="0"/>
+          <a:chOff x="0" y="0"/>
+          <a:chExt cx="0" cy="0"/>
+        </a:xfrm>
+      </p:grpSpPr>
+      <p:sp>
+        <p:nvSpPr>
+          <p:cNvPr id="2" name="Title 1"/>
+          <p:cNvSpPr>
+            <a:spLocks noGrp="1"/>
+          </p:cNvSpPr>
+          <p:nvPr>
+            <p:ph type="title"/>
+          </p:nvPr>
+        </p:nvSpPr>
+        <p:spPr/>
+        <p:txBody>
+          <a:bodyPr/>
+          <a:lstStyle/>
+          <a:p>
+            <a:r>
+              <a:rPr lang="en-US" dirty="0" smtClean="0"/>
+              <a:t>Non-</a:t>
+            </a:r>
+            <a:r>
+              <a:rPr lang="en-US" dirty="0" err="1" smtClean="0"/>
+              <a:t>linearities</a:t>
+            </a:r>
+            <a:r>
+              <a:rPr lang="en-US" dirty="0" smtClean="0"/>
+              <a:t> and oscillations</a:t>
+            </a:r>
+            <a:endParaRPr lang="en-US" dirty="0"/>
+          </a:p>
+        </p:txBody>
+      </p:sp>
+    </p:spTree>
+    <p:extLst>
+      <p:ext uri="{BB962C8B-B14F-4D97-AF65-F5344CB8AC3E}">
+        <p14:creationId xmlns:p14="http://schemas.microsoft.com/office/powerpoint/2010/main" val="3159950484"/>
+      </p:ext>
+    </p:extLst>
+  </p:cSld>
+  <p:clrMapOvr>
+    <a:masterClrMapping/>
+  </p:clrMapOvr>
+  <p:timing>
+    <p:tnLst>
+      <p:par>
+        <p:cTn xmlns:p14="http://schemas.microsoft.com/office/powerpoint/2010/main" id="1" dur="indefinite" restart="never" nodeType="tmRoot"/>
+      </p:par>
+    </p:tnLst>
+  </p:timing>
+</p:sld>
+</file>
+
+<file path=ppt/slides/slide30.xml><?xml version="1.0" encoding="utf-8"?>
 <p:sld xmlns:a="http://schemas.openxmlformats.org/drawingml/2006/main" xmlns:r="http://schemas.openxmlformats.org/officeDocument/2006/relationships" xmlns:p="http://schemas.openxmlformats.org/presentationml/2006/main">
   <p:cSld>
     <p:spTree>
@@ -8204,10 +8647,17 @@
   <p:clrMapOvr>
     <a:masterClrMapping/>
   </p:clrMapOvr>
+  <p:timing>
+    <p:tnLst>
+      <p:par>
+        <p:cTn xmlns:p14="http://schemas.microsoft.com/office/powerpoint/2010/main" id="1" dur="indefinite" restart="never" nodeType="tmRoot"/>
+      </p:par>
+    </p:tnLst>
+  </p:timing>
 </p:sld>
 </file>
 
-<file path=ppt/slides/slide29.xml><?xml version="1.0" encoding="utf-8"?>
+<file path=ppt/slides/slide31.xml><?xml version="1.0" encoding="utf-8"?>
 <p:sld xmlns:a="http://schemas.openxmlformats.org/drawingml/2006/main" xmlns:r="http://schemas.openxmlformats.org/officeDocument/2006/relationships" xmlns:p="http://schemas.openxmlformats.org/presentationml/2006/main">
   <p:cSld>
     <p:spTree>
@@ -8330,71 +8780,17 @@
   <p:clrMapOvr>
     <a:masterClrMapping/>
   </p:clrMapOvr>
+  <p:timing>
+    <p:tnLst>
+      <p:par>
+        <p:cTn xmlns:p14="http://schemas.microsoft.com/office/powerpoint/2010/main" id="1" dur="indefinite" restart="never" nodeType="tmRoot"/>
+      </p:par>
+    </p:tnLst>
+  </p:timing>
 </p:sld>
 </file>
 
-<file path=ppt/slides/slide3.xml><?xml version="1.0" encoding="utf-8"?>
-<p:sld xmlns:a="http://schemas.openxmlformats.org/drawingml/2006/main" xmlns:r="http://schemas.openxmlformats.org/officeDocument/2006/relationships" xmlns:p="http://schemas.openxmlformats.org/presentationml/2006/main">
-  <p:cSld>
-    <p:spTree>
-      <p:nvGrpSpPr>
-        <p:cNvPr id="1" name=""/>
-        <p:cNvGrpSpPr/>
-        <p:nvPr/>
-      </p:nvGrpSpPr>
-      <p:grpSpPr>
-        <a:xfrm>
-          <a:off x="0" y="0"/>
-          <a:ext cx="0" cy="0"/>
-          <a:chOff x="0" y="0"/>
-          <a:chExt cx="0" cy="0"/>
-        </a:xfrm>
-      </p:grpSpPr>
-      <p:sp>
-        <p:nvSpPr>
-          <p:cNvPr id="2" name="Title 1"/>
-          <p:cNvSpPr>
-            <a:spLocks noGrp="1"/>
-          </p:cNvSpPr>
-          <p:nvPr>
-            <p:ph type="title"/>
-          </p:nvPr>
-        </p:nvSpPr>
-        <p:spPr/>
-        <p:txBody>
-          <a:bodyPr/>
-          <a:lstStyle/>
-          <a:p>
-            <a:r>
-              <a:rPr lang="en-US" dirty="0" smtClean="0"/>
-              <a:t>Non-</a:t>
-            </a:r>
-            <a:r>
-              <a:rPr lang="en-US" dirty="0" err="1" smtClean="0"/>
-              <a:t>linearities</a:t>
-            </a:r>
-            <a:r>
-              <a:rPr lang="en-US" dirty="0" smtClean="0"/>
-              <a:t> and oscillations</a:t>
-            </a:r>
-            <a:endParaRPr lang="en-US" dirty="0"/>
-          </a:p>
-        </p:txBody>
-      </p:sp>
-    </p:spTree>
-    <p:extLst>
-      <p:ext uri="{BB962C8B-B14F-4D97-AF65-F5344CB8AC3E}">
-        <p14:creationId xmlns:p14="http://schemas.microsoft.com/office/powerpoint/2010/main" val="3159950484"/>
-      </p:ext>
-    </p:extLst>
-  </p:cSld>
-  <p:clrMapOvr>
-    <a:masterClrMapping/>
-  </p:clrMapOvr>
-</p:sld>
-</file>
-
-<file path=ppt/slides/slide30.xml><?xml version="1.0" encoding="utf-8"?>
+<file path=ppt/slides/slide32.xml><?xml version="1.0" encoding="utf-8"?>
 <p:sld xmlns:a="http://schemas.openxmlformats.org/drawingml/2006/main" xmlns:r="http://schemas.openxmlformats.org/officeDocument/2006/relationships" xmlns:p="http://schemas.openxmlformats.org/presentationml/2006/main">
   <p:cSld>
     <p:spTree>
@@ -8502,10 +8898,17 @@
   <p:clrMapOvr>
     <a:masterClrMapping/>
   </p:clrMapOvr>
+  <p:timing>
+    <p:tnLst>
+      <p:par>
+        <p:cTn xmlns:p14="http://schemas.microsoft.com/office/powerpoint/2010/main" id="1" dur="indefinite" restart="never" nodeType="tmRoot"/>
+      </p:par>
+    </p:tnLst>
+  </p:timing>
 </p:sld>
 </file>
 
-<file path=ppt/slides/slide31.xml><?xml version="1.0" encoding="utf-8"?>
+<file path=ppt/slides/slide33.xml><?xml version="1.0" encoding="utf-8"?>
 <p:sld xmlns:a="http://schemas.openxmlformats.org/drawingml/2006/main" xmlns:r="http://schemas.openxmlformats.org/officeDocument/2006/relationships" xmlns:p="http://schemas.openxmlformats.org/presentationml/2006/main">
   <p:cSld>
     <p:spTree>
@@ -8590,10 +8993,17 @@
   <p:clrMapOvr>
     <a:masterClrMapping/>
   </p:clrMapOvr>
+  <p:timing>
+    <p:tnLst>
+      <p:par>
+        <p:cTn xmlns:p14="http://schemas.microsoft.com/office/powerpoint/2010/main" id="1" dur="indefinite" restart="never" nodeType="tmRoot"/>
+      </p:par>
+    </p:tnLst>
+  </p:timing>
 </p:sld>
 </file>
 
-<file path=ppt/slides/slide32.xml><?xml version="1.0" encoding="utf-8"?>
+<file path=ppt/slides/slide34.xml><?xml version="1.0" encoding="utf-8"?>
 <p:sld xmlns:a="http://schemas.openxmlformats.org/drawingml/2006/main" xmlns:r="http://schemas.openxmlformats.org/officeDocument/2006/relationships" xmlns:p="http://schemas.openxmlformats.org/presentationml/2006/main">
   <p:cSld>
     <p:spTree>
@@ -8703,10 +9113,17 @@
   <p:clrMapOvr>
     <a:masterClrMapping/>
   </p:clrMapOvr>
+  <p:timing>
+    <p:tnLst>
+      <p:par>
+        <p:cTn xmlns:p14="http://schemas.microsoft.com/office/powerpoint/2010/main" id="1" dur="indefinite" restart="never" nodeType="tmRoot"/>
+      </p:par>
+    </p:tnLst>
+  </p:timing>
 </p:sld>
 </file>
 
-<file path=ppt/slides/slide33.xml><?xml version="1.0" encoding="utf-8"?>
+<file path=ppt/slides/slide35.xml><?xml version="1.0" encoding="utf-8"?>
 <p:sld xmlns:a="http://schemas.openxmlformats.org/drawingml/2006/main" xmlns:r="http://schemas.openxmlformats.org/officeDocument/2006/relationships" xmlns:p="http://schemas.openxmlformats.org/presentationml/2006/main">
   <p:cSld>
     <p:spTree>
@@ -8816,10 +9233,17 @@
   <p:clrMapOvr>
     <a:masterClrMapping/>
   </p:clrMapOvr>
+  <p:timing>
+    <p:tnLst>
+      <p:par>
+        <p:cTn xmlns:p14="http://schemas.microsoft.com/office/powerpoint/2010/main" id="1" dur="indefinite" restart="never" nodeType="tmRoot"/>
+      </p:par>
+    </p:tnLst>
+  </p:timing>
 </p:sld>
 </file>
 
-<file path=ppt/slides/slide34.xml><?xml version="1.0" encoding="utf-8"?>
+<file path=ppt/slides/slide36.xml><?xml version="1.0" encoding="utf-8"?>
 <p:sld xmlns:a="http://schemas.openxmlformats.org/drawingml/2006/main" xmlns:r="http://schemas.openxmlformats.org/officeDocument/2006/relationships" xmlns:p="http://schemas.openxmlformats.org/presentationml/2006/main">
   <p:cSld>
     <p:spTree>
@@ -8944,7 +9368,7 @@
 </p:sld>
 </file>
 
-<file path=ppt/slides/slide35.xml><?xml version="1.0" encoding="utf-8"?>
+<file path=ppt/slides/slide37.xml><?xml version="1.0" encoding="utf-8"?>
 <p:sld xmlns:a="http://schemas.openxmlformats.org/drawingml/2006/main" xmlns:r="http://schemas.openxmlformats.org/officeDocument/2006/relationships" xmlns:p="http://schemas.openxmlformats.org/presentationml/2006/main">
   <p:cSld>
     <p:spTree>
@@ -9139,235 +9563,6 @@
 </p:sld>
 </file>
 
-<file path=ppt/slides/slide36.xml><?xml version="1.0" encoding="utf-8"?>
-<p:sld xmlns:a="http://schemas.openxmlformats.org/drawingml/2006/main" xmlns:r="http://schemas.openxmlformats.org/officeDocument/2006/relationships" xmlns:p="http://schemas.openxmlformats.org/presentationml/2006/main">
-  <p:cSld>
-    <p:spTree>
-      <p:nvGrpSpPr>
-        <p:cNvPr id="1" name=""/>
-        <p:cNvGrpSpPr/>
-        <p:nvPr/>
-      </p:nvGrpSpPr>
-      <p:grpSpPr>
-        <a:xfrm>
-          <a:off x="0" y="0"/>
-          <a:ext cx="0" cy="0"/>
-          <a:chOff x="0" y="0"/>
-          <a:chExt cx="0" cy="0"/>
-        </a:xfrm>
-      </p:grpSpPr>
-      <p:sp>
-        <p:nvSpPr>
-          <p:cNvPr id="2" name="Title 1"/>
-          <p:cNvSpPr>
-            <a:spLocks noGrp="1"/>
-          </p:cNvSpPr>
-          <p:nvPr>
-            <p:ph type="title"/>
-          </p:nvPr>
-        </p:nvSpPr>
-        <p:spPr/>
-        <p:txBody>
-          <a:bodyPr/>
-          <a:lstStyle/>
-          <a:p>
-            <a:r>
-              <a:rPr lang="en-US" dirty="0" smtClean="0"/>
-              <a:t>Summary, oscillations</a:t>
-            </a:r>
-            <a:endParaRPr lang="en-US" dirty="0"/>
-          </a:p>
-        </p:txBody>
-      </p:sp>
-      <p:sp>
-        <p:nvSpPr>
-          <p:cNvPr id="3" name="Content Placeholder 2"/>
-          <p:cNvSpPr>
-            <a:spLocks noGrp="1"/>
-          </p:cNvSpPr>
-          <p:nvPr>
-            <p:ph idx="1"/>
-          </p:nvPr>
-        </p:nvSpPr>
-        <p:spPr/>
-        <p:txBody>
-          <a:bodyPr/>
-          <a:lstStyle/>
-          <a:p>
-            <a:r>
-              <a:rPr lang="en-US" dirty="0" smtClean="0"/>
-              <a:t>Oscillations can be generated in neural networks </a:t>
-            </a:r>
-          </a:p>
-          <a:p>
-            <a:pPr lvl="1"/>
-            <a:r>
-              <a:rPr lang="en-US" dirty="0" smtClean="0"/>
-              <a:t>through synaptic interactions, usually inhibitory</a:t>
-            </a:r>
-          </a:p>
-          <a:p>
-            <a:pPr lvl="1"/>
-            <a:r>
-              <a:rPr lang="en-US" dirty="0" smtClean="0"/>
-              <a:t>Through the intrinsic voltage dependent properties of neural elements</a:t>
-            </a:r>
-          </a:p>
-          <a:p>
-            <a:pPr lvl="2"/>
-            <a:endParaRPr lang="en-US" dirty="0" smtClean="0"/>
-          </a:p>
-          <a:p>
-            <a:pPr lvl="3"/>
-            <a:endParaRPr lang="en-US" dirty="0"/>
-          </a:p>
-        </p:txBody>
-      </p:sp>
-    </p:spTree>
-    <p:extLst>
-      <p:ext uri="{BB962C8B-B14F-4D97-AF65-F5344CB8AC3E}">
-        <p14:creationId xmlns:p14="http://schemas.microsoft.com/office/powerpoint/2010/main" val="2229672129"/>
-      </p:ext>
-    </p:extLst>
-  </p:cSld>
-  <p:clrMapOvr>
-    <a:masterClrMapping/>
-  </p:clrMapOvr>
-</p:sld>
-</file>
-
-<file path=ppt/slides/slide37.xml><?xml version="1.0" encoding="utf-8"?>
-<p:sld xmlns:a="http://schemas.openxmlformats.org/drawingml/2006/main" xmlns:r="http://schemas.openxmlformats.org/officeDocument/2006/relationships" xmlns:p="http://schemas.openxmlformats.org/presentationml/2006/main">
-  <p:cSld>
-    <p:spTree>
-      <p:nvGrpSpPr>
-        <p:cNvPr id="1" name=""/>
-        <p:cNvGrpSpPr/>
-        <p:nvPr/>
-      </p:nvGrpSpPr>
-      <p:grpSpPr>
-        <a:xfrm>
-          <a:off x="0" y="0"/>
-          <a:ext cx="0" cy="0"/>
-          <a:chOff x="0" y="0"/>
-          <a:chExt cx="0" cy="0"/>
-        </a:xfrm>
-      </p:grpSpPr>
-      <p:sp>
-        <p:nvSpPr>
-          <p:cNvPr id="2" name="Title 1"/>
-          <p:cNvSpPr>
-            <a:spLocks noGrp="1"/>
-          </p:cNvSpPr>
-          <p:nvPr>
-            <p:ph type="title"/>
-          </p:nvPr>
-        </p:nvSpPr>
-        <p:spPr/>
-        <p:txBody>
-          <a:bodyPr/>
-          <a:lstStyle/>
-          <a:p>
-            <a:r>
-              <a:rPr lang="en-US" dirty="0" smtClean="0"/>
-              <a:t>Summary, oscillations</a:t>
-            </a:r>
-            <a:endParaRPr lang="en-US" dirty="0"/>
-          </a:p>
-        </p:txBody>
-      </p:sp>
-      <p:sp>
-        <p:nvSpPr>
-          <p:cNvPr id="3" name="Content Placeholder 2"/>
-          <p:cNvSpPr>
-            <a:spLocks noGrp="1"/>
-          </p:cNvSpPr>
-          <p:nvPr>
-            <p:ph idx="1"/>
-          </p:nvPr>
-        </p:nvSpPr>
-        <p:spPr/>
-        <p:txBody>
-          <a:bodyPr/>
-          <a:lstStyle/>
-          <a:p>
-            <a:r>
-              <a:rPr lang="en-US" dirty="0" err="1" smtClean="0"/>
-              <a:t>Recurrency</a:t>
-            </a:r>
-            <a:r>
-              <a:rPr lang="en-US" dirty="0" smtClean="0"/>
-              <a:t> promoted by membrane </a:t>
-            </a:r>
-            <a:r>
-              <a:rPr lang="en-US" dirty="0" err="1" smtClean="0"/>
-              <a:t>bistability</a:t>
-            </a:r>
-            <a:endParaRPr lang="en-US" dirty="0" smtClean="0"/>
-          </a:p>
-          <a:p>
-            <a:pPr lvl="1"/>
-            <a:r>
-              <a:rPr lang="en-US" dirty="0" smtClean="0"/>
-              <a:t>Between depolarized and hyperpolarized states</a:t>
-            </a:r>
-          </a:p>
-          <a:p>
-            <a:pPr lvl="2"/>
-            <a:r>
-              <a:rPr lang="en-US" dirty="0" smtClean="0"/>
-              <a:t>The latter is associated with activity</a:t>
-            </a:r>
-          </a:p>
-          <a:p>
-            <a:pPr lvl="2"/>
-            <a:r>
-              <a:rPr lang="en-US" dirty="0"/>
-              <a:t>t</a:t>
-            </a:r>
-            <a:r>
-              <a:rPr lang="en-US" dirty="0" smtClean="0"/>
-              <a:t>he former is generally associated with quiescence</a:t>
-            </a:r>
-          </a:p>
-          <a:p>
-            <a:pPr lvl="1"/>
-            <a:r>
-              <a:rPr lang="en-US" dirty="0" err="1" smtClean="0"/>
-              <a:t>Bistability</a:t>
-            </a:r>
-            <a:r>
-              <a:rPr lang="en-US" dirty="0" smtClean="0"/>
-              <a:t> is a result of non-</a:t>
-            </a:r>
-            <a:r>
-              <a:rPr lang="en-US" dirty="0" err="1" smtClean="0"/>
-              <a:t>linearities</a:t>
-            </a:r>
-            <a:r>
-              <a:rPr lang="en-US" dirty="0" smtClean="0"/>
-              <a:t> in the V/I relationship of neurons</a:t>
-            </a:r>
-          </a:p>
-          <a:p>
-            <a:pPr lvl="3"/>
-            <a:endParaRPr lang="en-US" dirty="0"/>
-          </a:p>
-        </p:txBody>
-      </p:sp>
-    </p:spTree>
-    <p:extLst>
-      <p:ext uri="{BB962C8B-B14F-4D97-AF65-F5344CB8AC3E}">
-        <p14:creationId xmlns:p14="http://schemas.microsoft.com/office/powerpoint/2010/main" val="256408926"/>
-      </p:ext>
-    </p:extLst>
-  </p:cSld>
-  <p:clrMapOvr>
-    <a:masterClrMapping/>
-  </p:clrMapOvr>
-</p:sld>
-</file>
-
 <file path=ppt/slides/slide38.xml><?xml version="1.0" encoding="utf-8"?>
 <p:sld xmlns:a="http://schemas.openxmlformats.org/drawingml/2006/main" xmlns:r="http://schemas.openxmlformats.org/officeDocument/2006/relationships" xmlns:p="http://schemas.openxmlformats.org/presentationml/2006/main">
   <p:cSld>
@@ -9418,56 +9613,36 @@
             <p:ph idx="1"/>
           </p:nvPr>
         </p:nvSpPr>
-        <p:spPr>
-          <a:xfrm>
-            <a:off x="990600" y="1219200"/>
-            <a:ext cx="7727950" cy="5105400"/>
-          </a:xfrm>
-        </p:spPr>
+        <p:spPr/>
         <p:txBody>
           <a:bodyPr/>
           <a:lstStyle/>
           <a:p>
             <a:r>
               <a:rPr lang="en-US" dirty="0" smtClean="0"/>
-              <a:t>Non-</a:t>
-            </a:r>
-            <a:r>
-              <a:rPr lang="en-US" dirty="0" err="1" smtClean="0"/>
-              <a:t>linearities</a:t>
-            </a:r>
+              <a:t>Oscillations can be generated in neural networks </a:t>
+            </a:r>
+          </a:p>
+          <a:p>
+            <a:pPr lvl="1"/>
             <a:r>
               <a:rPr lang="en-US" dirty="0" smtClean="0"/>
-              <a:t> in neural membranes</a:t>
+              <a:t>through synaptic interactions, usually inhibitory</a:t>
             </a:r>
           </a:p>
           <a:p>
             <a:pPr lvl="1"/>
             <a:r>
               <a:rPr lang="en-US" dirty="0" smtClean="0"/>
-              <a:t>N-shaped I/V curves</a:t>
+              <a:t>Through the intrinsic voltage dependent properties of neural elements</a:t>
             </a:r>
           </a:p>
           <a:p>
             <a:pPr lvl="2"/>
-            <a:r>
-              <a:rPr lang="en-US" dirty="0" smtClean="0"/>
-              <a:t>Different from passive cells with largely linear I/V curves</a:t>
-            </a:r>
-          </a:p>
-          <a:p>
-            <a:pPr lvl="1"/>
-            <a:r>
-              <a:rPr lang="en-US" dirty="0" smtClean="0"/>
-              <a:t>N-shaped I/V curves with more than one positive crossing of current axis will have more than one stable point</a:t>
-            </a:r>
-          </a:p>
-          <a:p>
-            <a:pPr lvl="1"/>
-            <a:r>
-              <a:rPr lang="en-US" dirty="0" smtClean="0"/>
-              <a:t>Interactions with synapses (e.g. inhibition) or voltage gated ion channels (H-channels) result in reentrant transitions between stable states, and ultimately, oscillations</a:t>
-            </a:r>
+            <a:endParaRPr lang="en-US" dirty="0" smtClean="0"/>
+          </a:p>
+          <a:p>
+            <a:pPr lvl="3"/>
             <a:endParaRPr lang="en-US" dirty="0"/>
           </a:p>
         </p:txBody>
@@ -9475,13 +9650,159 @@
     </p:spTree>
     <p:extLst>
       <p:ext uri="{BB962C8B-B14F-4D97-AF65-F5344CB8AC3E}">
-        <p14:creationId xmlns:p14="http://schemas.microsoft.com/office/powerpoint/2010/main" val="204411246"/>
+        <p14:creationId xmlns:p14="http://schemas.microsoft.com/office/powerpoint/2010/main" val="2229672129"/>
       </p:ext>
     </p:extLst>
   </p:cSld>
   <p:clrMapOvr>
     <a:masterClrMapping/>
   </p:clrMapOvr>
+  <p:timing>
+    <p:tnLst>
+      <p:par>
+        <p:cTn xmlns:p14="http://schemas.microsoft.com/office/powerpoint/2010/main" id="1" dur="indefinite" restart="never" nodeType="tmRoot"/>
+      </p:par>
+    </p:tnLst>
+  </p:timing>
+</p:sld>
+</file>
+
+<file path=ppt/slides/slide39.xml><?xml version="1.0" encoding="utf-8"?>
+<p:sld xmlns:a="http://schemas.openxmlformats.org/drawingml/2006/main" xmlns:r="http://schemas.openxmlformats.org/officeDocument/2006/relationships" xmlns:p="http://schemas.openxmlformats.org/presentationml/2006/main">
+  <p:cSld>
+    <p:spTree>
+      <p:nvGrpSpPr>
+        <p:cNvPr id="1" name=""/>
+        <p:cNvGrpSpPr/>
+        <p:nvPr/>
+      </p:nvGrpSpPr>
+      <p:grpSpPr>
+        <a:xfrm>
+          <a:off x="0" y="0"/>
+          <a:ext cx="0" cy="0"/>
+          <a:chOff x="0" y="0"/>
+          <a:chExt cx="0" cy="0"/>
+        </a:xfrm>
+      </p:grpSpPr>
+      <p:sp>
+        <p:nvSpPr>
+          <p:cNvPr id="2" name="Title 1"/>
+          <p:cNvSpPr>
+            <a:spLocks noGrp="1"/>
+          </p:cNvSpPr>
+          <p:nvPr>
+            <p:ph type="title"/>
+          </p:nvPr>
+        </p:nvSpPr>
+        <p:spPr/>
+        <p:txBody>
+          <a:bodyPr/>
+          <a:lstStyle/>
+          <a:p>
+            <a:r>
+              <a:rPr lang="en-US" dirty="0" smtClean="0"/>
+              <a:t>Summary, oscillations</a:t>
+            </a:r>
+            <a:endParaRPr lang="en-US" dirty="0"/>
+          </a:p>
+        </p:txBody>
+      </p:sp>
+      <p:sp>
+        <p:nvSpPr>
+          <p:cNvPr id="3" name="Content Placeholder 2"/>
+          <p:cNvSpPr>
+            <a:spLocks noGrp="1"/>
+          </p:cNvSpPr>
+          <p:nvPr>
+            <p:ph idx="1"/>
+          </p:nvPr>
+        </p:nvSpPr>
+        <p:spPr/>
+        <p:txBody>
+          <a:bodyPr/>
+          <a:lstStyle/>
+          <a:p>
+            <a:r>
+              <a:rPr lang="en-US" dirty="0" err="1" smtClean="0"/>
+              <a:t>Recurrency</a:t>
+            </a:r>
+            <a:r>
+              <a:rPr lang="en-US" dirty="0" smtClean="0"/>
+              <a:t> promoted by membrane </a:t>
+            </a:r>
+            <a:r>
+              <a:rPr lang="en-US" dirty="0" err="1" smtClean="0"/>
+              <a:t>bistability</a:t>
+            </a:r>
+            <a:endParaRPr lang="en-US" dirty="0" smtClean="0"/>
+          </a:p>
+          <a:p>
+            <a:pPr lvl="1"/>
+            <a:r>
+              <a:rPr lang="en-US" dirty="0" smtClean="0"/>
+              <a:t>Between depolarized and hyperpolarized states</a:t>
+            </a:r>
+          </a:p>
+          <a:p>
+            <a:pPr lvl="2"/>
+            <a:r>
+              <a:rPr lang="en-US" dirty="0" smtClean="0"/>
+              <a:t>The latter is associated with activity</a:t>
+            </a:r>
+          </a:p>
+          <a:p>
+            <a:pPr lvl="2"/>
+            <a:r>
+              <a:rPr lang="en-US" dirty="0"/>
+              <a:t>t</a:t>
+            </a:r>
+            <a:r>
+              <a:rPr lang="en-US" dirty="0" smtClean="0"/>
+              <a:t>he former is generally associated with quiescence</a:t>
+            </a:r>
+          </a:p>
+          <a:p>
+            <a:pPr lvl="1"/>
+            <a:r>
+              <a:rPr lang="en-US" dirty="0" err="1" smtClean="0"/>
+              <a:t>Bistability</a:t>
+            </a:r>
+            <a:r>
+              <a:rPr lang="en-US" dirty="0" smtClean="0"/>
+              <a:t> is a result of non-</a:t>
+            </a:r>
+            <a:r>
+              <a:rPr lang="en-US" dirty="0" err="1" smtClean="0"/>
+              <a:t>linearities</a:t>
+            </a:r>
+            <a:r>
+              <a:rPr lang="en-US" dirty="0" smtClean="0"/>
+              <a:t> in the V/I relationship of neurons</a:t>
+            </a:r>
+          </a:p>
+          <a:p>
+            <a:pPr lvl="3"/>
+            <a:endParaRPr lang="en-US" dirty="0"/>
+          </a:p>
+        </p:txBody>
+      </p:sp>
+    </p:spTree>
+    <p:extLst>
+      <p:ext uri="{BB962C8B-B14F-4D97-AF65-F5344CB8AC3E}">
+        <p14:creationId xmlns:p14="http://schemas.microsoft.com/office/powerpoint/2010/main" val="256408926"/>
+      </p:ext>
+    </p:extLst>
+  </p:cSld>
+  <p:clrMapOvr>
+    <a:masterClrMapping/>
+  </p:clrMapOvr>
+  <p:timing>
+    <p:tnLst>
+      <p:par>
+        <p:cTn xmlns:p14="http://schemas.microsoft.com/office/powerpoint/2010/main" id="1" dur="indefinite" restart="never" nodeType="tmRoot"/>
+      </p:par>
+    </p:tnLst>
+  </p:timing>
 </p:sld>
 </file>
 
@@ -9695,7 +10016,7 @@
           <a:graphicData uri="http://schemas.openxmlformats.org/presentationml/2006/ole">
             <mc:AlternateContent xmlns:mc="http://schemas.openxmlformats.org/markup-compatibility/2006">
               <mc:Choice xmlns:v="urn:schemas-microsoft-com:vml" Requires="v">
-                <p:oleObj spid="_x0000_s1039" name="CorelPhotoPaint.Image.9" r:id="rId4" imgW="7174603" imgH="4685714" progId="CorelPhotoPaint.Image.9">
+                <p:oleObj spid="_x0000_s1042" name="CorelPhotoPaint.Image.9" r:id="rId4" imgW="7174603" imgH="4685714" progId="CorelPhotoPaint.Image.9">
                   <p:embed/>
                 </p:oleObj>
               </mc:Choice>
@@ -9765,6 +10086,130 @@
 </p:sld>
 </file>
 
+<file path=ppt/slides/slide40.xml><?xml version="1.0" encoding="utf-8"?>
+<p:sld xmlns:a="http://schemas.openxmlformats.org/drawingml/2006/main" xmlns:r="http://schemas.openxmlformats.org/officeDocument/2006/relationships" xmlns:p="http://schemas.openxmlformats.org/presentationml/2006/main">
+  <p:cSld>
+    <p:spTree>
+      <p:nvGrpSpPr>
+        <p:cNvPr id="1" name=""/>
+        <p:cNvGrpSpPr/>
+        <p:nvPr/>
+      </p:nvGrpSpPr>
+      <p:grpSpPr>
+        <a:xfrm>
+          <a:off x="0" y="0"/>
+          <a:ext cx="0" cy="0"/>
+          <a:chOff x="0" y="0"/>
+          <a:chExt cx="0" cy="0"/>
+        </a:xfrm>
+      </p:grpSpPr>
+      <p:sp>
+        <p:nvSpPr>
+          <p:cNvPr id="2" name="Title 1"/>
+          <p:cNvSpPr>
+            <a:spLocks noGrp="1"/>
+          </p:cNvSpPr>
+          <p:nvPr>
+            <p:ph type="title"/>
+          </p:nvPr>
+        </p:nvSpPr>
+        <p:spPr/>
+        <p:txBody>
+          <a:bodyPr/>
+          <a:lstStyle/>
+          <a:p>
+            <a:r>
+              <a:rPr lang="en-US" dirty="0" smtClean="0"/>
+              <a:t>Summary, oscillations</a:t>
+            </a:r>
+            <a:endParaRPr lang="en-US" dirty="0"/>
+          </a:p>
+        </p:txBody>
+      </p:sp>
+      <p:sp>
+        <p:nvSpPr>
+          <p:cNvPr id="3" name="Content Placeholder 2"/>
+          <p:cNvSpPr>
+            <a:spLocks noGrp="1"/>
+          </p:cNvSpPr>
+          <p:nvPr>
+            <p:ph idx="1"/>
+          </p:nvPr>
+        </p:nvSpPr>
+        <p:spPr>
+          <a:xfrm>
+            <a:off x="990600" y="1219200"/>
+            <a:ext cx="7727950" cy="5105400"/>
+          </a:xfrm>
+        </p:spPr>
+        <p:txBody>
+          <a:bodyPr/>
+          <a:lstStyle/>
+          <a:p>
+            <a:r>
+              <a:rPr lang="en-US" dirty="0" smtClean="0"/>
+              <a:t>Non-</a:t>
+            </a:r>
+            <a:r>
+              <a:rPr lang="en-US" dirty="0" err="1" smtClean="0"/>
+              <a:t>linearities</a:t>
+            </a:r>
+            <a:r>
+              <a:rPr lang="en-US" dirty="0" smtClean="0"/>
+              <a:t> in neural membranes</a:t>
+            </a:r>
+          </a:p>
+          <a:p>
+            <a:pPr lvl="1"/>
+            <a:r>
+              <a:rPr lang="en-US" dirty="0" smtClean="0"/>
+              <a:t>N-shaped I/V curves</a:t>
+            </a:r>
+          </a:p>
+          <a:p>
+            <a:pPr lvl="2"/>
+            <a:r>
+              <a:rPr lang="en-US" dirty="0" smtClean="0"/>
+              <a:t>Different from passive cells with largely linear I/V curves</a:t>
+            </a:r>
+          </a:p>
+          <a:p>
+            <a:pPr lvl="1"/>
+            <a:r>
+              <a:rPr lang="en-US" dirty="0" smtClean="0"/>
+              <a:t>N-shaped I/V curves with more than one positive crossing of current axis will have more than one stable point</a:t>
+            </a:r>
+          </a:p>
+          <a:p>
+            <a:pPr lvl="1"/>
+            <a:r>
+              <a:rPr lang="en-US" dirty="0" smtClean="0"/>
+              <a:t>Interactions with synapses (e.g. inhibition) or voltage gated ion channels (H-channels) result in reentrant transitions between stable states, and ultimately, oscillations</a:t>
+            </a:r>
+            <a:endParaRPr lang="en-US" dirty="0"/>
+          </a:p>
+        </p:txBody>
+      </p:sp>
+    </p:spTree>
+    <p:extLst>
+      <p:ext uri="{BB962C8B-B14F-4D97-AF65-F5344CB8AC3E}">
+        <p14:creationId xmlns:p14="http://schemas.microsoft.com/office/powerpoint/2010/main" val="204411246"/>
+      </p:ext>
+    </p:extLst>
+  </p:cSld>
+  <p:clrMapOvr>
+    <a:masterClrMapping/>
+  </p:clrMapOvr>
+  <p:timing>
+    <p:tnLst>
+      <p:par>
+        <p:cTn xmlns:p14="http://schemas.microsoft.com/office/powerpoint/2010/main" id="1" dur="indefinite" restart="never" nodeType="tmRoot"/>
+      </p:par>
+    </p:tnLst>
+  </p:timing>
+</p:sld>
+</file>
+
 <file path=ppt/slides/slide5.xml><?xml version="1.0" encoding="utf-8"?>
 <p:sld xmlns:a="http://schemas.openxmlformats.org/drawingml/2006/main" xmlns:r="http://schemas.openxmlformats.org/officeDocument/2006/relationships" xmlns:p="http://schemas.openxmlformats.org/presentationml/2006/main">
   <p:cSld>
@@ -9798,7 +10243,7 @@
           <a:graphicData uri="http://schemas.openxmlformats.org/presentationml/2006/ole">
             <mc:AlternateContent xmlns:mc="http://schemas.openxmlformats.org/markup-compatibility/2006">
               <mc:Choice xmlns:v="urn:schemas-microsoft-com:vml" Requires="v">
-                <p:oleObj spid="_x0000_s286844" name="CorelDRAW" r:id="rId4" imgW="5010912" imgH="5547766" progId="CorelDRAW.Graphic.9">
+                <p:oleObj spid="_x0000_s286867" name="CorelDRAW" r:id="rId4" imgW="5010912" imgH="5547766" progId="CorelDRAW.Graphic.9">
                   <p:embed/>
                 </p:oleObj>
               </mc:Choice>
@@ -9915,7 +10360,7 @@
           <a:graphicData uri="http://schemas.openxmlformats.org/presentationml/2006/ole">
             <mc:AlternateContent xmlns:mc="http://schemas.openxmlformats.org/markup-compatibility/2006">
               <mc:Choice xmlns:v="urn:schemas-microsoft-com:vml" Requires="v">
-                <p:oleObj spid="_x0000_s286845" name="CorelDRAW" r:id="rId6" imgW="3220212" imgH="3660038" progId="CorelDRAW.Graphic.9">
+                <p:oleObj spid="_x0000_s286868" name="CorelDRAW" r:id="rId6" imgW="3220212" imgH="3660038" progId="CorelDRAW.Graphic.9">
                   <p:embed/>
                 </p:oleObj>
               </mc:Choice>
@@ -10010,7 +10455,7 @@
           <a:graphicData uri="http://schemas.openxmlformats.org/presentationml/2006/ole">
             <mc:AlternateContent xmlns:mc="http://schemas.openxmlformats.org/markup-compatibility/2006">
               <mc:Choice xmlns:v="urn:schemas-microsoft-com:vml" Requires="v">
-                <p:oleObj spid="_x0000_s286846" name="CorelDRAW" r:id="rId8" imgW="2193798" imgH="4410659" progId="CorelDRAW.Graphic.9">
+                <p:oleObj spid="_x0000_s286869" name="CorelDRAW" r:id="rId8" imgW="2193798" imgH="4410659" progId="CorelDRAW.Graphic.9">
                   <p:embed/>
                 </p:oleObj>
               </mc:Choice>
@@ -10105,7 +10550,7 @@
           <a:graphicData uri="http://schemas.openxmlformats.org/presentationml/2006/ole">
             <mc:AlternateContent xmlns:mc="http://schemas.openxmlformats.org/markup-compatibility/2006">
               <mc:Choice xmlns:v="urn:schemas-microsoft-com:vml" Requires="v">
-                <p:oleObj spid="_x0000_s286847" name="CorelDRAW" r:id="rId10" imgW="2983230" imgH="3994912" progId="CorelDRAW.Graphic.9">
+                <p:oleObj spid="_x0000_s286870" name="CorelDRAW" r:id="rId10" imgW="2983230" imgH="3994912" progId="CorelDRAW.Graphic.9">
                   <p:embed/>
                 </p:oleObj>
               </mc:Choice>
@@ -10200,7 +10645,7 @@
           <a:graphicData uri="http://schemas.openxmlformats.org/presentationml/2006/ole">
             <mc:AlternateContent xmlns:mc="http://schemas.openxmlformats.org/markup-compatibility/2006">
               <mc:Choice xmlns:v="urn:schemas-microsoft-com:vml" Requires="v">
-                <p:oleObj spid="_x0000_s286848" name="CorelDRAW" r:id="rId12" imgW="3961638" imgH="2961843" progId="CorelDRAW.Graphic.9">
+                <p:oleObj spid="_x0000_s286871" name="CorelDRAW" r:id="rId12" imgW="3961638" imgH="2961843" progId="CorelDRAW.Graphic.9">
                   <p:embed/>
                 </p:oleObj>
               </mc:Choice>
@@ -10295,7 +10740,7 @@
           <a:graphicData uri="http://schemas.openxmlformats.org/presentationml/2006/ole">
             <mc:AlternateContent xmlns:mc="http://schemas.openxmlformats.org/markup-compatibility/2006">
               <mc:Choice xmlns:v="urn:schemas-microsoft-com:vml" Requires="v">
-                <p:oleObj spid="_x0000_s286849" name="CorelDRAW" r:id="rId14" imgW="3936873" imgH="2694432" progId="CorelDRAW.Graphic.9">
+                <p:oleObj spid="_x0000_s286872" name="CorelDRAW" r:id="rId14" imgW="3936873" imgH="2694432" progId="CorelDRAW.Graphic.9">
                   <p:embed/>
                 </p:oleObj>
               </mc:Choice>
@@ -10390,7 +10835,7 @@
           <a:graphicData uri="http://schemas.openxmlformats.org/presentationml/2006/ole">
             <mc:AlternateContent xmlns:mc="http://schemas.openxmlformats.org/markup-compatibility/2006">
               <mc:Choice xmlns:v="urn:schemas-microsoft-com:vml" Requires="v">
-                <p:oleObj spid="_x0000_s286850" name="CorelDRAW" r:id="rId16" imgW="3220212" imgH="3660038" progId="CorelDRAW.Graphic.9">
+                <p:oleObj spid="_x0000_s286873" name="CorelDRAW" r:id="rId16" imgW="3220212" imgH="3660038" progId="CorelDRAW.Graphic.9">
                   <p:embed/>
                 </p:oleObj>
               </mc:Choice>
@@ -10485,7 +10930,7 @@
           <a:graphicData uri="http://schemas.openxmlformats.org/presentationml/2006/ole">
             <mc:AlternateContent xmlns:mc="http://schemas.openxmlformats.org/markup-compatibility/2006">
               <mc:Choice xmlns:v="urn:schemas-microsoft-com:vml" Requires="v">
-                <p:oleObj spid="_x0000_s286851" name="CorelDRAW" r:id="rId18" imgW="2109978" imgH="4411878" progId="CorelDRAW.Graphic.9">
+                <p:oleObj spid="_x0000_s286874" name="CorelDRAW" r:id="rId18" imgW="2109978" imgH="4411878" progId="CorelDRAW.Graphic.9">
                   <p:embed/>
                 </p:oleObj>
               </mc:Choice>
@@ -10580,7 +11025,7 @@
           <a:graphicData uri="http://schemas.openxmlformats.org/presentationml/2006/ole">
             <mc:AlternateContent xmlns:mc="http://schemas.openxmlformats.org/markup-compatibility/2006">
               <mc:Choice xmlns:v="urn:schemas-microsoft-com:vml" Requires="v">
-                <p:oleObj spid="_x0000_s286852" name="CorelDRAW" r:id="rId20" imgW="2983230" imgH="3994506" progId="CorelDRAW.Graphic.9">
+                <p:oleObj spid="_x0000_s286875" name="CorelDRAW" r:id="rId20" imgW="2983230" imgH="3994506" progId="CorelDRAW.Graphic.9">
                   <p:embed/>
                 </p:oleObj>
               </mc:Choice>
@@ -10675,7 +11120,7 @@
           <a:graphicData uri="http://schemas.openxmlformats.org/presentationml/2006/ole">
             <mc:AlternateContent xmlns:mc="http://schemas.openxmlformats.org/markup-compatibility/2006">
               <mc:Choice xmlns:v="urn:schemas-microsoft-com:vml" Requires="v">
-                <p:oleObj spid="_x0000_s286853" name="CorelDRAW" r:id="rId22" imgW="3961638" imgH="2961843" progId="CorelDRAW.Graphic.9">
+                <p:oleObj spid="_x0000_s286876" name="CorelDRAW" r:id="rId22" imgW="3961638" imgH="2961843" progId="CorelDRAW.Graphic.9">
                   <p:embed/>
                 </p:oleObj>
               </mc:Choice>
@@ -10770,7 +11215,7 @@
           <a:graphicData uri="http://schemas.openxmlformats.org/presentationml/2006/ole">
             <mc:AlternateContent xmlns:mc="http://schemas.openxmlformats.org/markup-compatibility/2006">
               <mc:Choice xmlns:v="urn:schemas-microsoft-com:vml" Requires="v">
-                <p:oleObj spid="_x0000_s286854" name="CorelDRAW" r:id="rId24" imgW="3936873" imgH="2694432" progId="CorelDRAW.Graphic.9">
+                <p:oleObj spid="_x0000_s286877" name="CorelDRAW" r:id="rId24" imgW="3936873" imgH="2694432" progId="CorelDRAW.Graphic.9">
                   <p:embed/>
                 </p:oleObj>
               </mc:Choice>
@@ -10909,6 +11354,9 @@
                     <p:cTn id="3" fill="hold" nodeType="clickPar">
                       <p:stCondLst>
                         <p:cond delay="indefinite"/>
+                        <p:cond evt="onBegin" delay="0">
+                          <p:tn val="2"/>
+                        </p:cond>
                       </p:stCondLst>
                       <p:childTnLst>
                         <p:par>
@@ -10918,9 +11366,9 @@
                             </p:stCondLst>
                             <p:childTnLst>
                               <p:par>
-                                <p:cTn id="5" presetID="1" presetClass="entr" presetSubtype="0" fill="hold" nodeType="clickEffect">
+                                <p:cTn id="5" presetID="1" presetClass="entr" presetSubtype="0" fill="hold" nodeType="afterEffect">
                                   <p:stCondLst>
-                                    <p:cond delay="0"/>
+                                    <p:cond delay="200"/>
                                   </p:stCondLst>
                                   <p:childTnLst>
                                     <p:set>
@@ -10947,30 +11395,57 @@
                             </p:childTnLst>
                           </p:cTn>
                         </p:par>
-                      </p:childTnLst>
-                    </p:cTn>
-                  </p:par>
-                  <p:par>
-                    <p:cTn id="7" fill="hold" nodeType="clickPar">
-                      <p:stCondLst>
-                        <p:cond delay="indefinite"/>
-                      </p:stCondLst>
-                      <p:childTnLst>
                         <p:par>
-                          <p:cTn id="8" fill="hold" nodeType="withGroup">
+                          <p:cTn id="7" fill="hold">
                             <p:stCondLst>
-                              <p:cond delay="0"/>
+                              <p:cond delay="700"/>
                             </p:stCondLst>
                             <p:childTnLst>
                               <p:par>
-                                <p:cTn id="9" presetID="1" presetClass="entr" presetSubtype="0" fill="hold" nodeType="clickEffect">
+                                <p:cTn id="8" presetID="1" presetClass="entr" presetSubtype="0" fill="hold" nodeType="afterEffect">
                                   <p:stCondLst>
-                                    <p:cond delay="0"/>
+                                    <p:cond delay="200"/>
                                   </p:stCondLst>
                                   <p:childTnLst>
                                     <p:set>
                                       <p:cBhvr>
-                                        <p:cTn id="10" dur="1" fill="hold">
+                                        <p:cTn id="9" dur="1" fill="hold">
+                                          <p:stCondLst>
+                                            <p:cond delay="499"/>
+                                          </p:stCondLst>
+                                        </p:cTn>
+                                        <p:tgtEl>
+                                          <p:spTgt spid="12301"/>
+                                        </p:tgtEl>
+                                        <p:attrNameLst>
+                                          <p:attrName>style.visibility</p:attrName>
+                                        </p:attrNameLst>
+                                      </p:cBhvr>
+                                      <p:to>
+                                        <p:strVal val="visible"/>
+                                      </p:to>
+                                    </p:set>
+                                  </p:childTnLst>
+                                </p:cTn>
+                              </p:par>
+                            </p:childTnLst>
+                          </p:cTn>
+                        </p:par>
+                        <p:par>
+                          <p:cTn id="10" fill="hold">
+                            <p:stCondLst>
+                              <p:cond delay="1400"/>
+                            </p:stCondLst>
+                            <p:childTnLst>
+                              <p:par>
+                                <p:cTn id="11" presetID="1" presetClass="entr" presetSubtype="0" fill="hold" nodeType="afterEffect">
+                                  <p:stCondLst>
+                                    <p:cond delay="200"/>
+                                  </p:stCondLst>
+                                  <p:childTnLst>
+                                    <p:set>
+                                      <p:cBhvr>
+                                        <p:cTn id="12" dur="1" fill="hold">
                                           <p:stCondLst>
                                             <p:cond delay="499"/>
                                           </p:stCondLst>
@@ -10992,75 +11467,21 @@
                             </p:childTnLst>
                           </p:cTn>
                         </p:par>
-                      </p:childTnLst>
-                    </p:cTn>
-                  </p:par>
-                  <p:par>
-                    <p:cTn id="11" fill="hold" nodeType="clickPar">
-                      <p:stCondLst>
-                        <p:cond delay="indefinite"/>
-                      </p:stCondLst>
-                      <p:childTnLst>
                         <p:par>
-                          <p:cTn id="12" fill="hold" nodeType="withGroup">
+                          <p:cTn id="13" fill="hold" nodeType="withGroup">
                             <p:stCondLst>
-                              <p:cond delay="0"/>
+                              <p:cond delay="2100"/>
                             </p:stCondLst>
                             <p:childTnLst>
                               <p:par>
-                                <p:cTn id="13" presetID="1" presetClass="entr" presetSubtype="0" fill="hold" nodeType="clickEffect">
+                                <p:cTn id="14" presetID="1" presetClass="entr" presetSubtype="0" fill="hold" nodeType="afterEffect">
                                   <p:stCondLst>
-                                    <p:cond delay="0"/>
+                                    <p:cond delay="200"/>
                                   </p:stCondLst>
                                   <p:childTnLst>
                                     <p:set>
                                       <p:cBhvr>
-                                        <p:cTn id="14" dur="1" fill="hold">
-                                          <p:stCondLst>
-                                            <p:cond delay="499"/>
-                                          </p:stCondLst>
-                                        </p:cTn>
-                                        <p:tgtEl>
-                                          <p:spTgt spid="12301"/>
-                                        </p:tgtEl>
-                                        <p:attrNameLst>
-                                          <p:attrName>style.visibility</p:attrName>
-                                        </p:attrNameLst>
-                                      </p:cBhvr>
-                                      <p:to>
-                                        <p:strVal val="visible"/>
-                                      </p:to>
-                                    </p:set>
-                                  </p:childTnLst>
-                                </p:cTn>
-                              </p:par>
-                            </p:childTnLst>
-                          </p:cTn>
-                        </p:par>
-                      </p:childTnLst>
-                    </p:cTn>
-                  </p:par>
-                  <p:par>
-                    <p:cTn id="15" fill="hold" nodeType="clickPar">
-                      <p:stCondLst>
-                        <p:cond delay="indefinite"/>
-                      </p:stCondLst>
-                      <p:childTnLst>
-                        <p:par>
-                          <p:cTn id="16" fill="hold" nodeType="withGroup">
-                            <p:stCondLst>
-                              <p:cond delay="0"/>
-                            </p:stCondLst>
-                            <p:childTnLst>
-                              <p:par>
-                                <p:cTn id="17" presetID="1" presetClass="entr" presetSubtype="0" fill="hold" nodeType="clickEffect">
-                                  <p:stCondLst>
-                                    <p:cond delay="0"/>
-                                  </p:stCondLst>
-                                  <p:childTnLst>
-                                    <p:set>
-                                      <p:cBhvr>
-                                        <p:cTn id="18" dur="1" fill="hold">
+                                        <p:cTn id="15" dur="1" fill="hold">
                                           <p:stCondLst>
                                             <p:cond delay="499"/>
                                           </p:stCondLst>
@@ -11082,30 +11503,57 @@
                             </p:childTnLst>
                           </p:cTn>
                         </p:par>
-                      </p:childTnLst>
-                    </p:cTn>
-                  </p:par>
-                  <p:par>
-                    <p:cTn id="19" fill="hold" nodeType="clickPar">
-                      <p:stCondLst>
-                        <p:cond delay="indefinite"/>
-                      </p:stCondLst>
-                      <p:childTnLst>
                         <p:par>
-                          <p:cTn id="20" fill="hold" nodeType="withGroup">
+                          <p:cTn id="16" fill="hold">
                             <p:stCondLst>
-                              <p:cond delay="0"/>
+                              <p:cond delay="2800"/>
                             </p:stCondLst>
                             <p:childTnLst>
                               <p:par>
-                                <p:cTn id="21" presetID="1" presetClass="entr" presetSubtype="0" fill="hold" nodeType="clickEffect">
+                                <p:cTn id="17" presetID="1" presetClass="entr" presetSubtype="0" fill="hold" nodeType="afterEffect">
                                   <p:stCondLst>
-                                    <p:cond delay="0"/>
+                                    <p:cond delay="200"/>
                                   </p:stCondLst>
                                   <p:childTnLst>
                                     <p:set>
                                       <p:cBhvr>
-                                        <p:cTn id="22" dur="1" fill="hold">
+                                        <p:cTn id="18" dur="1" fill="hold">
+                                          <p:stCondLst>
+                                            <p:cond delay="499"/>
+                                          </p:stCondLst>
+                                        </p:cTn>
+                                        <p:tgtEl>
+                                          <p:spTgt spid="12294"/>
+                                        </p:tgtEl>
+                                        <p:attrNameLst>
+                                          <p:attrName>style.visibility</p:attrName>
+                                        </p:attrNameLst>
+                                      </p:cBhvr>
+                                      <p:to>
+                                        <p:strVal val="visible"/>
+                                      </p:to>
+                                    </p:set>
+                                  </p:childTnLst>
+                                </p:cTn>
+                              </p:par>
+                            </p:childTnLst>
+                          </p:cTn>
+                        </p:par>
+                        <p:par>
+                          <p:cTn id="19" fill="hold" nodeType="withGroup">
+                            <p:stCondLst>
+                              <p:cond delay="3500"/>
+                            </p:stCondLst>
+                            <p:childTnLst>
+                              <p:par>
+                                <p:cTn id="20" presetID="1" presetClass="entr" presetSubtype="0" fill="hold" nodeType="afterEffect">
+                                  <p:stCondLst>
+                                    <p:cond delay="200"/>
+                                  </p:stCondLst>
+                                  <p:childTnLst>
+                                    <p:set>
+                                      <p:cBhvr>
+                                        <p:cTn id="21" dur="1" fill="hold">
                                           <p:stCondLst>
                                             <p:cond delay="499"/>
                                           </p:stCondLst>
@@ -11127,75 +11575,21 @@
                             </p:childTnLst>
                           </p:cTn>
                         </p:par>
-                      </p:childTnLst>
-                    </p:cTn>
-                  </p:par>
-                  <p:par>
-                    <p:cTn id="23" fill="hold" nodeType="clickPar">
-                      <p:stCondLst>
-                        <p:cond delay="indefinite"/>
-                      </p:stCondLst>
-                      <p:childTnLst>
                         <p:par>
-                          <p:cTn id="24" fill="hold" nodeType="withGroup">
+                          <p:cTn id="22" fill="hold">
                             <p:stCondLst>
-                              <p:cond delay="0"/>
+                              <p:cond delay="4200"/>
                             </p:stCondLst>
                             <p:childTnLst>
                               <p:par>
-                                <p:cTn id="25" presetID="1" presetClass="entr" presetSubtype="0" fill="hold" nodeType="clickEffect">
+                                <p:cTn id="23" presetID="1" presetClass="entr" presetSubtype="0" fill="hold" nodeType="afterEffect">
                                   <p:stCondLst>
-                                    <p:cond delay="0"/>
+                                    <p:cond delay="200"/>
                                   </p:stCondLst>
                                   <p:childTnLst>
                                     <p:set>
                                       <p:cBhvr>
-                                        <p:cTn id="26" dur="1" fill="hold">
-                                          <p:stCondLst>
-                                            <p:cond delay="499"/>
-                                          </p:stCondLst>
-                                        </p:cTn>
-                                        <p:tgtEl>
-                                          <p:spTgt spid="12294"/>
-                                        </p:tgtEl>
-                                        <p:attrNameLst>
-                                          <p:attrName>style.visibility</p:attrName>
-                                        </p:attrNameLst>
-                                      </p:cBhvr>
-                                      <p:to>
-                                        <p:strVal val="visible"/>
-                                      </p:to>
-                                    </p:set>
-                                  </p:childTnLst>
-                                </p:cTn>
-                              </p:par>
-                            </p:childTnLst>
-                          </p:cTn>
-                        </p:par>
-                      </p:childTnLst>
-                    </p:cTn>
-                  </p:par>
-                  <p:par>
-                    <p:cTn id="27" fill="hold" nodeType="clickPar">
-                      <p:stCondLst>
-                        <p:cond delay="indefinite"/>
-                      </p:stCondLst>
-                      <p:childTnLst>
-                        <p:par>
-                          <p:cTn id="28" fill="hold" nodeType="withGroup">
-                            <p:stCondLst>
-                              <p:cond delay="0"/>
-                            </p:stCondLst>
-                            <p:childTnLst>
-                              <p:par>
-                                <p:cTn id="29" presetID="1" presetClass="entr" presetSubtype="0" fill="hold" nodeType="clickEffect">
-                                  <p:stCondLst>
-                                    <p:cond delay="0"/>
-                                  </p:stCondLst>
-                                  <p:childTnLst>
-                                    <p:set>
-                                      <p:cBhvr>
-                                        <p:cTn id="30" dur="1" fill="hold">
+                                        <p:cTn id="24" dur="1" fill="hold">
                                           <p:stCondLst>
                                             <p:cond delay="499"/>
                                           </p:stCondLst>
@@ -11217,30 +11611,21 @@
                             </p:childTnLst>
                           </p:cTn>
                         </p:par>
-                      </p:childTnLst>
-                    </p:cTn>
-                  </p:par>
-                  <p:par>
-                    <p:cTn id="31" fill="hold" nodeType="clickPar">
-                      <p:stCondLst>
-                        <p:cond delay="indefinite"/>
-                      </p:stCondLst>
-                      <p:childTnLst>
                         <p:par>
-                          <p:cTn id="32" fill="hold" nodeType="withGroup">
+                          <p:cTn id="25" fill="hold" nodeType="withGroup">
                             <p:stCondLst>
-                              <p:cond delay="0"/>
+                              <p:cond delay="4900"/>
                             </p:stCondLst>
                             <p:childTnLst>
                               <p:par>
-                                <p:cTn id="33" presetID="1" presetClass="entr" presetSubtype="0" fill="hold" nodeType="clickEffect">
+                                <p:cTn id="26" presetID="1" presetClass="entr" presetSubtype="0" fill="hold" nodeType="afterEffect">
                                   <p:stCondLst>
-                                    <p:cond delay="0"/>
+                                    <p:cond delay="200"/>
                                   </p:stCondLst>
                                   <p:childTnLst>
                                     <p:set>
                                       <p:cBhvr>
-                                        <p:cTn id="34" dur="1" fill="hold">
+                                        <p:cTn id="27" dur="1" fill="hold">
                                           <p:stCondLst>
                                             <p:cond delay="499"/>
                                           </p:stCondLst>
@@ -11262,30 +11647,21 @@
                             </p:childTnLst>
                           </p:cTn>
                         </p:par>
-                      </p:childTnLst>
-                    </p:cTn>
-                  </p:par>
-                  <p:par>
-                    <p:cTn id="35" fill="hold" nodeType="clickPar">
-                      <p:stCondLst>
-                        <p:cond delay="indefinite"/>
-                      </p:stCondLst>
-                      <p:childTnLst>
                         <p:par>
-                          <p:cTn id="36" fill="hold" nodeType="withGroup">
+                          <p:cTn id="28" fill="hold" nodeType="withGroup">
                             <p:stCondLst>
-                              <p:cond delay="0"/>
+                              <p:cond delay="5600"/>
                             </p:stCondLst>
                             <p:childTnLst>
                               <p:par>
-                                <p:cTn id="37" presetID="1" presetClass="entr" presetSubtype="0" fill="hold" nodeType="clickEffect">
+                                <p:cTn id="29" presetID="1" presetClass="entr" presetSubtype="0" fill="hold" nodeType="afterEffect">
                                   <p:stCondLst>
-                                    <p:cond delay="0"/>
+                                    <p:cond delay="200"/>
                                   </p:stCondLst>
                                   <p:childTnLst>
                                     <p:set>
                                       <p:cBhvr>
-                                        <p:cTn id="38" dur="1" fill="hold">
+                                        <p:cTn id="30" dur="1" fill="hold">
                                           <p:stCondLst>
                                             <p:cond delay="499"/>
                                           </p:stCondLst>
